--- a/Hadoop IO.pptx
+++ b/Hadoop IO.pptx
@@ -13,23 +13,26 @@
     <p:sldId id="266" r:id="rId7"/>
     <p:sldId id="270" r:id="rId8"/>
     <p:sldId id="268" r:id="rId9"/>
-    <p:sldId id="269" r:id="rId10"/>
-    <p:sldId id="267" r:id="rId11"/>
-    <p:sldId id="274" r:id="rId12"/>
-    <p:sldId id="273" r:id="rId13"/>
-    <p:sldId id="271" r:id="rId14"/>
-    <p:sldId id="279" r:id="rId15"/>
-    <p:sldId id="272" r:id="rId16"/>
-    <p:sldId id="275" r:id="rId17"/>
-    <p:sldId id="276" r:id="rId18"/>
-    <p:sldId id="277" r:id="rId19"/>
-    <p:sldId id="278" r:id="rId20"/>
-    <p:sldId id="280" r:id="rId21"/>
-    <p:sldId id="281" r:id="rId22"/>
-    <p:sldId id="282" r:id="rId23"/>
-    <p:sldId id="283" r:id="rId24"/>
-    <p:sldId id="284" r:id="rId25"/>
-    <p:sldId id="285" r:id="rId26"/>
+    <p:sldId id="286" r:id="rId10"/>
+    <p:sldId id="269" r:id="rId11"/>
+    <p:sldId id="267" r:id="rId12"/>
+    <p:sldId id="287" r:id="rId13"/>
+    <p:sldId id="288" r:id="rId14"/>
+    <p:sldId id="274" r:id="rId15"/>
+    <p:sldId id="273" r:id="rId16"/>
+    <p:sldId id="271" r:id="rId17"/>
+    <p:sldId id="279" r:id="rId18"/>
+    <p:sldId id="272" r:id="rId19"/>
+    <p:sldId id="275" r:id="rId20"/>
+    <p:sldId id="276" r:id="rId21"/>
+    <p:sldId id="277" r:id="rId22"/>
+    <p:sldId id="278" r:id="rId23"/>
+    <p:sldId id="280" r:id="rId24"/>
+    <p:sldId id="281" r:id="rId25"/>
+    <p:sldId id="282" r:id="rId26"/>
+    <p:sldId id="283" r:id="rId27"/>
+    <p:sldId id="284" r:id="rId28"/>
+    <p:sldId id="285" r:id="rId29"/>
   </p:sldIdLst>
   <p:sldSz cx="9144000" cy="6858000" type="screen4x3"/>
   <p:notesSz cx="6858000" cy="9144000"/>
@@ -312,7 +315,8 @@
           <a:p>
             <a:fld id="{26D74239-4D95-4239-BBCF-AA501696CFA8}" type="datetimeFigureOut">
               <a:rPr lang="en-US" smtClean="0"/>
-              <a:t>1/20/2024</a:t>
+              <a:pPr/>
+              <a:t>1/27/2025</a:t>
             </a:fld>
             <a:endParaRPr lang="en-US"/>
           </a:p>
@@ -354,6 +358,7 @@
           <a:p>
             <a:fld id="{AB3794BC-A7FB-4BB0-B2BE-AD9713CA5170}" type="slidenum">
               <a:rPr lang="en-US" smtClean="0"/>
+              <a:pPr/>
               <a:t>‹#›</a:t>
             </a:fld>
             <a:endParaRPr lang="en-US"/>
@@ -477,7 +482,8 @@
           <a:p>
             <a:fld id="{26D74239-4D95-4239-BBCF-AA501696CFA8}" type="datetimeFigureOut">
               <a:rPr lang="en-US" smtClean="0"/>
-              <a:t>1/20/2024</a:t>
+              <a:pPr/>
+              <a:t>1/27/2025</a:t>
             </a:fld>
             <a:endParaRPr lang="en-US"/>
           </a:p>
@@ -519,6 +525,7 @@
           <a:p>
             <a:fld id="{AB3794BC-A7FB-4BB0-B2BE-AD9713CA5170}" type="slidenum">
               <a:rPr lang="en-US" smtClean="0"/>
+              <a:pPr/>
               <a:t>‹#›</a:t>
             </a:fld>
             <a:endParaRPr lang="en-US"/>
@@ -652,7 +659,8 @@
           <a:p>
             <a:fld id="{26D74239-4D95-4239-BBCF-AA501696CFA8}" type="datetimeFigureOut">
               <a:rPr lang="en-US" smtClean="0"/>
-              <a:t>1/20/2024</a:t>
+              <a:pPr/>
+              <a:t>1/27/2025</a:t>
             </a:fld>
             <a:endParaRPr lang="en-US"/>
           </a:p>
@@ -694,6 +702,7 @@
           <a:p>
             <a:fld id="{AB3794BC-A7FB-4BB0-B2BE-AD9713CA5170}" type="slidenum">
               <a:rPr lang="en-US" smtClean="0"/>
+              <a:pPr/>
               <a:t>‹#›</a:t>
             </a:fld>
             <a:endParaRPr lang="en-US"/>
@@ -817,7 +826,8 @@
           <a:p>
             <a:fld id="{26D74239-4D95-4239-BBCF-AA501696CFA8}" type="datetimeFigureOut">
               <a:rPr lang="en-US" smtClean="0"/>
-              <a:t>1/20/2024</a:t>
+              <a:pPr/>
+              <a:t>1/27/2025</a:t>
             </a:fld>
             <a:endParaRPr lang="en-US"/>
           </a:p>
@@ -859,6 +869,7 @@
           <a:p>
             <a:fld id="{AB3794BC-A7FB-4BB0-B2BE-AD9713CA5170}" type="slidenum">
               <a:rPr lang="en-US" smtClean="0"/>
+              <a:pPr/>
               <a:t>‹#›</a:t>
             </a:fld>
             <a:endParaRPr lang="en-US"/>
@@ -1058,7 +1069,8 @@
           <a:p>
             <a:fld id="{26D74239-4D95-4239-BBCF-AA501696CFA8}" type="datetimeFigureOut">
               <a:rPr lang="en-US" smtClean="0"/>
-              <a:t>1/20/2024</a:t>
+              <a:pPr/>
+              <a:t>1/27/2025</a:t>
             </a:fld>
             <a:endParaRPr lang="en-US"/>
           </a:p>
@@ -1100,6 +1112,7 @@
           <a:p>
             <a:fld id="{AB3794BC-A7FB-4BB0-B2BE-AD9713CA5170}" type="slidenum">
               <a:rPr lang="en-US" smtClean="0"/>
+              <a:pPr/>
               <a:t>‹#›</a:t>
             </a:fld>
             <a:endParaRPr lang="en-US"/>
@@ -1341,7 +1354,8 @@
           <a:p>
             <a:fld id="{26D74239-4D95-4239-BBCF-AA501696CFA8}" type="datetimeFigureOut">
               <a:rPr lang="en-US" smtClean="0"/>
-              <a:t>1/20/2024</a:t>
+              <a:pPr/>
+              <a:t>1/27/2025</a:t>
             </a:fld>
             <a:endParaRPr lang="en-US"/>
           </a:p>
@@ -1383,6 +1397,7 @@
           <a:p>
             <a:fld id="{AB3794BC-A7FB-4BB0-B2BE-AD9713CA5170}" type="slidenum">
               <a:rPr lang="en-US" smtClean="0"/>
+              <a:pPr/>
               <a:t>‹#›</a:t>
             </a:fld>
             <a:endParaRPr lang="en-US"/>
@@ -1758,7 +1773,8 @@
           <a:p>
             <a:fld id="{26D74239-4D95-4239-BBCF-AA501696CFA8}" type="datetimeFigureOut">
               <a:rPr lang="en-US" smtClean="0"/>
-              <a:t>1/20/2024</a:t>
+              <a:pPr/>
+              <a:t>1/27/2025</a:t>
             </a:fld>
             <a:endParaRPr lang="en-US"/>
           </a:p>
@@ -1800,6 +1816,7 @@
           <a:p>
             <a:fld id="{AB3794BC-A7FB-4BB0-B2BE-AD9713CA5170}" type="slidenum">
               <a:rPr lang="en-US" smtClean="0"/>
+              <a:pPr/>
               <a:t>‹#›</a:t>
             </a:fld>
             <a:endParaRPr lang="en-US"/>
@@ -1871,7 +1888,8 @@
           <a:p>
             <a:fld id="{26D74239-4D95-4239-BBCF-AA501696CFA8}" type="datetimeFigureOut">
               <a:rPr lang="en-US" smtClean="0"/>
-              <a:t>1/20/2024</a:t>
+              <a:pPr/>
+              <a:t>1/27/2025</a:t>
             </a:fld>
             <a:endParaRPr lang="en-US"/>
           </a:p>
@@ -1913,6 +1931,7 @@
           <a:p>
             <a:fld id="{AB3794BC-A7FB-4BB0-B2BE-AD9713CA5170}" type="slidenum">
               <a:rPr lang="en-US" smtClean="0"/>
+              <a:pPr/>
               <a:t>‹#›</a:t>
             </a:fld>
             <a:endParaRPr lang="en-US"/>
@@ -1961,7 +1980,8 @@
           <a:p>
             <a:fld id="{26D74239-4D95-4239-BBCF-AA501696CFA8}" type="datetimeFigureOut">
               <a:rPr lang="en-US" smtClean="0"/>
-              <a:t>1/20/2024</a:t>
+              <a:pPr/>
+              <a:t>1/27/2025</a:t>
             </a:fld>
             <a:endParaRPr lang="en-US"/>
           </a:p>
@@ -2003,6 +2023,7 @@
           <a:p>
             <a:fld id="{AB3794BC-A7FB-4BB0-B2BE-AD9713CA5170}" type="slidenum">
               <a:rPr lang="en-US" smtClean="0"/>
+              <a:pPr/>
               <a:t>‹#›</a:t>
             </a:fld>
             <a:endParaRPr lang="en-US"/>
@@ -2233,7 +2254,8 @@
           <a:p>
             <a:fld id="{26D74239-4D95-4239-BBCF-AA501696CFA8}" type="datetimeFigureOut">
               <a:rPr lang="en-US" smtClean="0"/>
-              <a:t>1/20/2024</a:t>
+              <a:pPr/>
+              <a:t>1/27/2025</a:t>
             </a:fld>
             <a:endParaRPr lang="en-US"/>
           </a:p>
@@ -2275,6 +2297,7 @@
           <a:p>
             <a:fld id="{AB3794BC-A7FB-4BB0-B2BE-AD9713CA5170}" type="slidenum">
               <a:rPr lang="en-US" smtClean="0"/>
+              <a:pPr/>
               <a:t>‹#›</a:t>
             </a:fld>
             <a:endParaRPr lang="en-US"/>
@@ -2481,7 +2504,8 @@
           <a:p>
             <a:fld id="{26D74239-4D95-4239-BBCF-AA501696CFA8}" type="datetimeFigureOut">
               <a:rPr lang="en-US" smtClean="0"/>
-              <a:t>1/20/2024</a:t>
+              <a:pPr/>
+              <a:t>1/27/2025</a:t>
             </a:fld>
             <a:endParaRPr lang="en-US"/>
           </a:p>
@@ -2523,6 +2547,7 @@
           <a:p>
             <a:fld id="{AB3794BC-A7FB-4BB0-B2BE-AD9713CA5170}" type="slidenum">
               <a:rPr lang="en-US" smtClean="0"/>
+              <a:pPr/>
               <a:t>‹#›</a:t>
             </a:fld>
             <a:endParaRPr lang="en-US"/>
@@ -2689,7 +2714,8 @@
           <a:p>
             <a:fld id="{26D74239-4D95-4239-BBCF-AA501696CFA8}" type="datetimeFigureOut">
               <a:rPr lang="en-US" smtClean="0"/>
-              <a:t>1/20/2024</a:t>
+              <a:pPr/>
+              <a:t>1/27/2025</a:t>
             </a:fld>
             <a:endParaRPr lang="en-US"/>
           </a:p>
@@ -2767,6 +2793,7 @@
           <a:p>
             <a:fld id="{AB3794BC-A7FB-4BB0-B2BE-AD9713CA5170}" type="slidenum">
               <a:rPr lang="en-US" smtClean="0"/>
+              <a:pPr/>
               <a:t>‹#›</a:t>
             </a:fld>
             <a:endParaRPr lang="en-US"/>
@@ -3152,7 +3179,11 @@
           <a:bodyPr/>
           <a:lstStyle/>
           <a:p>
-            <a:endParaRPr lang="en-US"/>
+            <a:r>
+              <a:rPr lang="en-US" dirty="0" smtClean="0"/>
+              <a:t>bzip2</a:t>
+            </a:r>
+            <a:endParaRPr lang="en-US" dirty="0"/>
           </a:p>
         </p:txBody>
       </p:sp>
@@ -3168,55 +3199,38 @@
         </p:nvSpPr>
         <p:spPr/>
         <p:txBody>
-          <a:bodyPr/>
-          <a:lstStyle/>
-          <a:p>
+          <a:bodyPr>
+            <a:normAutofit lnSpcReduction="10000"/>
+          </a:bodyPr>
+          <a:lstStyle/>
+          <a:p>
+            <a:r>
+              <a:rPr lang="en-US" b="1" dirty="0"/>
+              <a:t>bzip2</a:t>
+            </a:r>
             <a:r>
               <a:rPr lang="en-US" dirty="0"/>
-              <a:t># Compress a file </a:t>
+              <a:t> is a free and open-source data compression algorithm and program developed by Julian Seward. It is designed to be a more efficient compression algorithm than its predecessor, </a:t>
+            </a:r>
+            <a:r>
+              <a:rPr lang="en-US" dirty="0" err="1"/>
+              <a:t>bzip</a:t>
+            </a:r>
+            <a:r>
+              <a:rPr lang="en-US" dirty="0"/>
+              <a:t>, while maintaining compatibility with the older format. </a:t>
             </a:r>
             <a:endParaRPr lang="en-US" dirty="0" smtClean="0"/>
           </a:p>
           <a:p>
             <a:r>
-              <a:rPr lang="en-US" dirty="0" err="1" smtClean="0"/>
-              <a:t>gzip</a:t>
-            </a:r>
-            <a:r>
-              <a:rPr lang="en-US" dirty="0" smtClean="0"/>
-              <a:t> </a:t>
+              <a:rPr lang="en-US" dirty="0" smtClean="0"/>
+              <a:t>The </a:t>
             </a:r>
             <a:r>
               <a:rPr lang="en-US" dirty="0"/>
-              <a:t>filename.txt </a:t>
-            </a:r>
-            <a:endParaRPr lang="en-US" dirty="0" smtClean="0"/>
-          </a:p>
-          <a:p>
-            <a:r>
-              <a:rPr lang="en-US" dirty="0" smtClean="0"/>
-              <a:t># </a:t>
-            </a:r>
-            <a:r>
-              <a:rPr lang="en-US" dirty="0"/>
-              <a:t>Decompress a file </a:t>
-            </a:r>
-            <a:endParaRPr lang="en-US" dirty="0" smtClean="0"/>
-          </a:p>
-          <a:p>
-            <a:r>
-              <a:rPr lang="en-US" dirty="0" err="1" smtClean="0"/>
-              <a:t>gunzip</a:t>
-            </a:r>
-            <a:r>
-              <a:rPr lang="en-US" dirty="0" smtClean="0"/>
-              <a:t> </a:t>
-            </a:r>
-            <a:r>
-              <a:rPr lang="en-US" dirty="0" err="1"/>
-              <a:t>filename.txt.gz</a:t>
-            </a:r>
-            <a:endParaRPr lang="en-US" dirty="0"/>
+              <a:t>primary purpose of bzip2 is to achieve higher compression ratios at the cost of increased computational complexity.</a:t>
+            </a:r>
           </a:p>
         </p:txBody>
       </p:sp>
@@ -3257,22 +3271,12 @@
         </p:nvSpPr>
         <p:spPr/>
         <p:txBody>
-          <a:bodyPr>
-            <a:normAutofit fontScale="90000"/>
-          </a:bodyPr>
-          <a:lstStyle/>
-          <a:p>
-            <a:r>
-              <a:rPr lang="en-US" dirty="0" smtClean="0"/>
-              <a:t>A </a:t>
-            </a:r>
-            <a:r>
-              <a:rPr lang="en-US" i="1" dirty="0" smtClean="0"/>
-              <a:t>codec</a:t>
-            </a:r>
-            <a:r>
-              <a:rPr lang="en-US" dirty="0" smtClean="0"/>
-              <a:t> is the implementation of a compression-decompression algorithm</a:t>
+          <a:bodyPr/>
+          <a:lstStyle/>
+          <a:p>
+            <a:r>
+              <a:rPr lang="en-US" dirty="0" smtClean="0"/>
+              <a:t>Command</a:t>
             </a:r>
             <a:endParaRPr lang="en-US" dirty="0"/>
           </a:p>
@@ -3290,75 +3294,54 @@
         </p:nvSpPr>
         <p:spPr/>
         <p:txBody>
-          <a:bodyPr>
-            <a:normAutofit fontScale="92500" lnSpcReduction="10000"/>
-          </a:bodyPr>
-          <a:lstStyle/>
-          <a:p>
-            <a:pPr fontAlgn="base"/>
+          <a:bodyPr/>
+          <a:lstStyle/>
+          <a:p>
             <a:r>
               <a:rPr lang="en-US" dirty="0"/>
-              <a:t>A </a:t>
-            </a:r>
-            <a:r>
-              <a:rPr lang="en-US" i="1" dirty="0"/>
-              <a:t>codec</a:t>
+              <a:t># Compress a file </a:t>
+            </a:r>
+            <a:endParaRPr lang="en-US" dirty="0" smtClean="0"/>
+          </a:p>
+          <a:p>
+            <a:r>
+              <a:rPr lang="en-US" dirty="0" err="1" smtClean="0"/>
+              <a:t>gzip</a:t>
+            </a:r>
+            <a:r>
+              <a:rPr lang="en-US" dirty="0" smtClean="0"/>
+              <a:t> </a:t>
             </a:r>
             <a:r>
               <a:rPr lang="en-US" dirty="0"/>
-              <a:t> is the implementation of a compression-decompression algorithm. In Hadoop, a codec is represented by an implementation of the </a:t>
+              <a:t>filename.txt </a:t>
+            </a:r>
+            <a:endParaRPr lang="en-US" dirty="0" smtClean="0"/>
+          </a:p>
+          <a:p>
+            <a:r>
+              <a:rPr lang="en-US" dirty="0" smtClean="0"/>
+              <a:t># </a:t>
+            </a:r>
+            <a:r>
+              <a:rPr lang="en-US" dirty="0"/>
+              <a:t>Decompress a file </a:t>
+            </a:r>
+            <a:endParaRPr lang="en-US" dirty="0" smtClean="0"/>
+          </a:p>
+          <a:p>
+            <a:r>
+              <a:rPr lang="en-US" dirty="0" err="1" smtClean="0"/>
+              <a:t>gunzip</a:t>
+            </a:r>
+            <a:r>
+              <a:rPr lang="en-US" dirty="0" smtClean="0"/>
+              <a:t> </a:t>
             </a:r>
             <a:r>
               <a:rPr lang="en-US" dirty="0" err="1"/>
-              <a:t>CompressionCodec</a:t>
-            </a:r>
-            <a:r>
-              <a:rPr lang="en-US" dirty="0"/>
-              <a:t> interface. So, for example, </a:t>
-            </a:r>
-            <a:r>
-              <a:rPr lang="en-US" dirty="0" err="1"/>
-              <a:t>GzipCodec</a:t>
-            </a:r>
-            <a:r>
-              <a:rPr lang="en-US" dirty="0"/>
-              <a:t> encapsulates the compression and decompression algorithm for </a:t>
-            </a:r>
-            <a:r>
-              <a:rPr lang="en-US" dirty="0" err="1"/>
-              <a:t>gzip</a:t>
-            </a:r>
-            <a:r>
-              <a:rPr lang="en-US" dirty="0"/>
-              <a:t>. </a:t>
-            </a:r>
-            <a:r>
-              <a:rPr lang="en-US" dirty="0">
-                <a:hlinkClick r:id="rId2" tooltip="Table 4-2. Hadoop compression codecs"/>
-              </a:rPr>
-              <a:t>Table 4-2</a:t>
-            </a:r>
-            <a:r>
-              <a:rPr lang="en-US" dirty="0"/>
-              <a:t> lists the </a:t>
-            </a:r>
-            <a:r>
-              <a:rPr lang="en-US" dirty="0" err="1"/>
-              <a:t>codecs</a:t>
-            </a:r>
-            <a:r>
-              <a:rPr lang="en-US" dirty="0"/>
-              <a:t> that are available for Hadoop.</a:t>
-            </a:r>
-          </a:p>
-          <a:p>
-            <a:r>
-              <a:rPr lang="en-US" dirty="0"/>
-              <a:t/>
-            </a:r>
-            <a:br>
-              <a:rPr lang="en-US" dirty="0"/>
-            </a:br>
+              <a:t>filename.txt.gz</a:t>
+            </a:r>
             <a:endParaRPr lang="en-US" dirty="0"/>
           </a:p>
         </p:txBody>
@@ -3372,6 +3355,407 @@
 </file>
 
 <file path=ppt/slides/slide12.xml><?xml version="1.0" encoding="utf-8"?>
+<p:sld xmlns:a="http://schemas.openxmlformats.org/drawingml/2006/main" xmlns:r="http://schemas.openxmlformats.org/officeDocument/2006/relationships" xmlns:p="http://schemas.openxmlformats.org/presentationml/2006/main">
+  <p:cSld>
+    <p:spTree>
+      <p:nvGrpSpPr>
+        <p:cNvPr id="1" name=""/>
+        <p:cNvGrpSpPr/>
+        <p:nvPr/>
+      </p:nvGrpSpPr>
+      <p:grpSpPr>
+        <a:xfrm>
+          <a:off x="0" y="0"/>
+          <a:ext cx="0" cy="0"/>
+          <a:chOff x="0" y="0"/>
+          <a:chExt cx="0" cy="0"/>
+        </a:xfrm>
+      </p:grpSpPr>
+      <p:sp>
+        <p:nvSpPr>
+          <p:cNvPr id="2" name="Title 1"/>
+          <p:cNvSpPr>
+            <a:spLocks noGrp="1"/>
+          </p:cNvSpPr>
+          <p:nvPr>
+            <p:ph type="title"/>
+          </p:nvPr>
+        </p:nvSpPr>
+        <p:spPr/>
+        <p:txBody>
+          <a:bodyPr/>
+          <a:lstStyle/>
+          <a:p>
+            <a:r>
+              <a:rPr lang="en-US" dirty="0" smtClean="0"/>
+              <a:t>Working</a:t>
+            </a:r>
+            <a:endParaRPr lang="en-US" dirty="0"/>
+          </a:p>
+        </p:txBody>
+      </p:sp>
+      <p:sp>
+        <p:nvSpPr>
+          <p:cNvPr id="3" name="Content Placeholder 2"/>
+          <p:cNvSpPr>
+            <a:spLocks noGrp="1"/>
+          </p:cNvSpPr>
+          <p:nvPr>
+            <p:ph idx="1"/>
+          </p:nvPr>
+        </p:nvSpPr>
+        <p:spPr/>
+        <p:txBody>
+          <a:bodyPr>
+            <a:normAutofit fontScale="85000" lnSpcReduction="20000"/>
+          </a:bodyPr>
+          <a:lstStyle/>
+          <a:p>
+            <a:r>
+              <a:rPr lang="en-US" dirty="0" smtClean="0"/>
+              <a:t>The </a:t>
+            </a:r>
+            <a:r>
+              <a:rPr lang="en-US" b="1" dirty="0" smtClean="0"/>
+              <a:t>Bzip2 algorithm</a:t>
+            </a:r>
+            <a:r>
+              <a:rPr lang="en-US" dirty="0" smtClean="0"/>
+              <a:t> is a </a:t>
+            </a:r>
+            <a:r>
+              <a:rPr lang="en-US" dirty="0" smtClean="0">
+                <a:solidFill>
+                  <a:srgbClr val="FF0000"/>
+                </a:solidFill>
+              </a:rPr>
+              <a:t>lossless data compression Bzip2 compresses data in m</a:t>
+            </a:r>
+            <a:r>
+              <a:rPr lang="en-US" dirty="0" smtClean="0"/>
+              <a:t>ultiple stages, combining several techniques for optimal results:</a:t>
+            </a:r>
+          </a:p>
+          <a:p>
+            <a:r>
+              <a:rPr lang="en-US" b="1" dirty="0" smtClean="0"/>
+              <a:t>Burrows-Wheeler Transform (BWT)</a:t>
+            </a:r>
+            <a:r>
+              <a:rPr lang="en-US" dirty="0" smtClean="0"/>
+              <a:t>:</a:t>
+            </a:r>
+          </a:p>
+          <a:p>
+            <a:pPr lvl="1"/>
+            <a:r>
+              <a:rPr lang="en-US" dirty="0" smtClean="0"/>
+              <a:t>Rearranges the data into runs of similar characters.</a:t>
+            </a:r>
+          </a:p>
+          <a:p>
+            <a:pPr lvl="1"/>
+            <a:r>
+              <a:rPr lang="en-US" dirty="0" smtClean="0"/>
+              <a:t>This increases the redundancy in the data, which is essential for subsequent compression stages.</a:t>
+            </a:r>
+          </a:p>
+          <a:p>
+            <a:r>
+              <a:rPr lang="en-US" b="1" dirty="0" smtClean="0"/>
+              <a:t>Move-to-Front Transform (MTF)</a:t>
+            </a:r>
+            <a:r>
+              <a:rPr lang="en-US" dirty="0" smtClean="0"/>
+              <a:t>:</a:t>
+            </a:r>
+          </a:p>
+          <a:p>
+            <a:pPr lvl="1"/>
+            <a:r>
+              <a:rPr lang="en-US" dirty="0" smtClean="0"/>
+              <a:t>Transforms the output of the BWT into a more compressible form by replacing frequently used symbols with shorter codes.</a:t>
+            </a:r>
+          </a:p>
+          <a:p>
+            <a:pPr lvl="1"/>
+            <a:r>
+              <a:rPr lang="en-US" dirty="0" smtClean="0"/>
+              <a:t>This step exploits the frequency of repeating patterns</a:t>
+            </a:r>
+            <a:r>
+              <a:rPr lang="en-US" dirty="0" smtClean="0"/>
+              <a:t>.</a:t>
+            </a:r>
+            <a:endParaRPr lang="en-US" dirty="0" smtClean="0"/>
+          </a:p>
+        </p:txBody>
+      </p:sp>
+    </p:spTree>
+  </p:cSld>
+  <p:clrMapOvr>
+    <a:masterClrMapping/>
+  </p:clrMapOvr>
+</p:sld>
+</file>
+
+<file path=ppt/slides/slide13.xml><?xml version="1.0" encoding="utf-8"?>
+<p:sld xmlns:a="http://schemas.openxmlformats.org/drawingml/2006/main" xmlns:r="http://schemas.openxmlformats.org/officeDocument/2006/relationships" xmlns:p="http://schemas.openxmlformats.org/presentationml/2006/main">
+  <p:cSld>
+    <p:spTree>
+      <p:nvGrpSpPr>
+        <p:cNvPr id="1" name=""/>
+        <p:cNvGrpSpPr/>
+        <p:nvPr/>
+      </p:nvGrpSpPr>
+      <p:grpSpPr>
+        <a:xfrm>
+          <a:off x="0" y="0"/>
+          <a:ext cx="0" cy="0"/>
+          <a:chOff x="0" y="0"/>
+          <a:chExt cx="0" cy="0"/>
+        </a:xfrm>
+      </p:grpSpPr>
+      <p:sp>
+        <p:nvSpPr>
+          <p:cNvPr id="2" name="Title 1"/>
+          <p:cNvSpPr>
+            <a:spLocks noGrp="1"/>
+          </p:cNvSpPr>
+          <p:nvPr>
+            <p:ph type="title"/>
+          </p:nvPr>
+        </p:nvSpPr>
+        <p:spPr/>
+        <p:txBody>
+          <a:bodyPr/>
+          <a:lstStyle/>
+          <a:p>
+            <a:endParaRPr lang="en-US"/>
+          </a:p>
+        </p:txBody>
+      </p:sp>
+      <p:sp>
+        <p:nvSpPr>
+          <p:cNvPr id="3" name="Content Placeholder 2"/>
+          <p:cNvSpPr>
+            <a:spLocks noGrp="1"/>
+          </p:cNvSpPr>
+          <p:nvPr>
+            <p:ph idx="1"/>
+          </p:nvPr>
+        </p:nvSpPr>
+        <p:spPr/>
+        <p:txBody>
+          <a:bodyPr>
+            <a:normAutofit fontScale="92500"/>
+          </a:bodyPr>
+          <a:lstStyle/>
+          <a:p>
+            <a:r>
+              <a:rPr lang="en-US" b="1" dirty="0" smtClean="0"/>
+              <a:t>Run-Length Encoding (RLE)</a:t>
+            </a:r>
+            <a:r>
+              <a:rPr lang="en-US" dirty="0" smtClean="0"/>
+              <a:t>:</a:t>
+            </a:r>
+          </a:p>
+          <a:p>
+            <a:pPr lvl="1"/>
+            <a:r>
+              <a:rPr lang="en-US" dirty="0" smtClean="0"/>
+              <a:t>Further reduces redundancy by replacing long runs of the same symbol with a single symbol and a count.</a:t>
+            </a:r>
+          </a:p>
+          <a:p>
+            <a:r>
+              <a:rPr lang="en-US" b="1" dirty="0" smtClean="0"/>
+              <a:t>Huffman Coding</a:t>
+            </a:r>
+            <a:r>
+              <a:rPr lang="en-US" dirty="0" smtClean="0"/>
+              <a:t>:</a:t>
+            </a:r>
+          </a:p>
+          <a:p>
+            <a:pPr lvl="1"/>
+            <a:r>
+              <a:rPr lang="en-US" dirty="0" smtClean="0"/>
+              <a:t>Assigns shorter binary codes to more frequent patterns and longer codes to less frequent patterns.</a:t>
+            </a:r>
+          </a:p>
+          <a:p>
+            <a:pPr lvl="1"/>
+            <a:r>
+              <a:rPr lang="en-US" dirty="0" smtClean="0"/>
+              <a:t>This optimizes the compressed size.</a:t>
+            </a:r>
+          </a:p>
+          <a:p>
+            <a:r>
+              <a:rPr lang="en-US" dirty="0" smtClean="0"/>
+              <a:t>algorithm</a:t>
+            </a:r>
+            <a:endParaRPr lang="en-US" dirty="0"/>
+          </a:p>
+        </p:txBody>
+      </p:sp>
+    </p:spTree>
+  </p:cSld>
+  <p:clrMapOvr>
+    <a:masterClrMapping/>
+  </p:clrMapOvr>
+</p:sld>
+</file>
+
+<file path=ppt/slides/slide14.xml><?xml version="1.0" encoding="utf-8"?>
+<p:sld xmlns:a="http://schemas.openxmlformats.org/drawingml/2006/main" xmlns:r="http://schemas.openxmlformats.org/officeDocument/2006/relationships" xmlns:p="http://schemas.openxmlformats.org/presentationml/2006/main">
+  <p:cSld>
+    <p:spTree>
+      <p:nvGrpSpPr>
+        <p:cNvPr id="1" name=""/>
+        <p:cNvGrpSpPr/>
+        <p:nvPr/>
+      </p:nvGrpSpPr>
+      <p:grpSpPr>
+        <a:xfrm>
+          <a:off x="0" y="0"/>
+          <a:ext cx="0" cy="0"/>
+          <a:chOff x="0" y="0"/>
+          <a:chExt cx="0" cy="0"/>
+        </a:xfrm>
+      </p:grpSpPr>
+      <p:sp>
+        <p:nvSpPr>
+          <p:cNvPr id="2" name="Title 1"/>
+          <p:cNvSpPr>
+            <a:spLocks noGrp="1"/>
+          </p:cNvSpPr>
+          <p:nvPr>
+            <p:ph type="title"/>
+          </p:nvPr>
+        </p:nvSpPr>
+        <p:spPr/>
+        <p:txBody>
+          <a:bodyPr>
+            <a:normAutofit fontScale="90000"/>
+          </a:bodyPr>
+          <a:lstStyle/>
+          <a:p>
+            <a:r>
+              <a:rPr lang="en-US" dirty="0" smtClean="0"/>
+              <a:t>A </a:t>
+            </a:r>
+            <a:r>
+              <a:rPr lang="en-US" i="1" dirty="0" smtClean="0"/>
+              <a:t>codec</a:t>
+            </a:r>
+            <a:r>
+              <a:rPr lang="en-US" dirty="0" smtClean="0"/>
+              <a:t> is the implementation of a compression-decompression algorithm</a:t>
+            </a:r>
+            <a:endParaRPr lang="en-US" dirty="0"/>
+          </a:p>
+        </p:txBody>
+      </p:sp>
+      <p:sp>
+        <p:nvSpPr>
+          <p:cNvPr id="3" name="Content Placeholder 2"/>
+          <p:cNvSpPr>
+            <a:spLocks noGrp="1"/>
+          </p:cNvSpPr>
+          <p:nvPr>
+            <p:ph idx="1"/>
+          </p:nvPr>
+        </p:nvSpPr>
+        <p:spPr/>
+        <p:txBody>
+          <a:bodyPr>
+            <a:normAutofit fontScale="92500" lnSpcReduction="10000"/>
+          </a:bodyPr>
+          <a:lstStyle/>
+          <a:p>
+            <a:pPr fontAlgn="base"/>
+            <a:r>
+              <a:rPr lang="en-US" dirty="0"/>
+              <a:t>A </a:t>
+            </a:r>
+            <a:r>
+              <a:rPr lang="en-US" i="1" dirty="0"/>
+              <a:t>codec</a:t>
+            </a:r>
+            <a:r>
+              <a:rPr lang="en-US" dirty="0"/>
+              <a:t> is the implementation of a compression-decompression algorithm. In Hadoop, a codec is represented by an implementation of the </a:t>
+            </a:r>
+            <a:r>
+              <a:rPr lang="en-US" dirty="0" err="1"/>
+              <a:t>CompressionCodec</a:t>
+            </a:r>
+            <a:r>
+              <a:rPr lang="en-US" dirty="0"/>
+              <a:t> interface. So, for example, </a:t>
+            </a:r>
+            <a:r>
+              <a:rPr lang="en-US" dirty="0" err="1"/>
+              <a:t>GzipCodec</a:t>
+            </a:r>
+            <a:r>
+              <a:rPr lang="en-US" dirty="0"/>
+              <a:t> encapsulates the compression and decompression algorithm for </a:t>
+            </a:r>
+            <a:r>
+              <a:rPr lang="en-US" dirty="0" err="1"/>
+              <a:t>gzip</a:t>
+            </a:r>
+            <a:r>
+              <a:rPr lang="en-US" dirty="0"/>
+              <a:t>. </a:t>
+            </a:r>
+            <a:r>
+              <a:rPr lang="en-US" dirty="0">
+                <a:hlinkClick r:id="rId2" tooltip="Table 4-2. Hadoop compression codecs"/>
+              </a:rPr>
+              <a:t>Table 4-2</a:t>
+            </a:r>
+            <a:r>
+              <a:rPr lang="en-US" dirty="0"/>
+              <a:t> lists the </a:t>
+            </a:r>
+            <a:r>
+              <a:rPr lang="en-US" dirty="0" err="1"/>
+              <a:t>codecs</a:t>
+            </a:r>
+            <a:r>
+              <a:rPr lang="en-US" dirty="0"/>
+              <a:t> that are available for Hadoop.</a:t>
+            </a:r>
+          </a:p>
+          <a:p>
+            <a:pPr>
+              <a:buNone/>
+            </a:pPr>
+            <a:r>
+              <a:rPr lang="en-US" dirty="0"/>
+              <a:t/>
+            </a:r>
+            <a:br>
+              <a:rPr lang="en-US" dirty="0"/>
+            </a:br>
+            <a:endParaRPr lang="en-US" dirty="0"/>
+          </a:p>
+        </p:txBody>
+      </p:sp>
+    </p:spTree>
+  </p:cSld>
+  <p:clrMapOvr>
+    <a:masterClrMapping/>
+  </p:clrMapOvr>
+</p:sld>
+</file>
+
+<file path=ppt/slides/slide15.xml><?xml version="1.0" encoding="utf-8"?>
 <p:sld xmlns:a="http://schemas.openxmlformats.org/drawingml/2006/main" xmlns:r="http://schemas.openxmlformats.org/officeDocument/2006/relationships" xmlns:p="http://schemas.openxmlformats.org/presentationml/2006/main">
   <p:cSld>
     <p:spTree>
@@ -3616,336 +4000,6 @@
 </p:sld>
 </file>
 
-<file path=ppt/slides/slide13.xml><?xml version="1.0" encoding="utf-8"?>
-<p:sld xmlns:a="http://schemas.openxmlformats.org/drawingml/2006/main" xmlns:r="http://schemas.openxmlformats.org/officeDocument/2006/relationships" xmlns:p="http://schemas.openxmlformats.org/presentationml/2006/main">
-  <p:cSld>
-    <p:spTree>
-      <p:nvGrpSpPr>
-        <p:cNvPr id="1" name=""/>
-        <p:cNvGrpSpPr/>
-        <p:nvPr/>
-      </p:nvGrpSpPr>
-      <p:grpSpPr>
-        <a:xfrm>
-          <a:off x="0" y="0"/>
-          <a:ext cx="0" cy="0"/>
-          <a:chOff x="0" y="0"/>
-          <a:chExt cx="0" cy="0"/>
-        </a:xfrm>
-      </p:grpSpPr>
-      <p:sp>
-        <p:nvSpPr>
-          <p:cNvPr id="2" name="Title 1"/>
-          <p:cNvSpPr>
-            <a:spLocks noGrp="1"/>
-          </p:cNvSpPr>
-          <p:nvPr>
-            <p:ph type="title"/>
-          </p:nvPr>
-        </p:nvSpPr>
-        <p:spPr/>
-        <p:txBody>
-          <a:bodyPr/>
-          <a:lstStyle/>
-          <a:p>
-            <a:r>
-              <a:rPr lang="en-US" dirty="0" smtClean="0"/>
-              <a:t>Serialization in Hadoop</a:t>
-            </a:r>
-            <a:endParaRPr lang="en-US" dirty="0"/>
-          </a:p>
-        </p:txBody>
-      </p:sp>
-      <p:sp>
-        <p:nvSpPr>
-          <p:cNvPr id="3" name="Content Placeholder 2"/>
-          <p:cNvSpPr>
-            <a:spLocks noGrp="1"/>
-          </p:cNvSpPr>
-          <p:nvPr>
-            <p:ph idx="1"/>
-          </p:nvPr>
-        </p:nvSpPr>
-        <p:spPr/>
-        <p:txBody>
-          <a:bodyPr>
-            <a:normAutofit fontScale="92500" lnSpcReduction="20000"/>
-          </a:bodyPr>
-          <a:lstStyle/>
-          <a:p>
-            <a:pPr algn="just"/>
-            <a:r>
-              <a:rPr lang="en-US" dirty="0"/>
-              <a:t>Serialization in Hadoop refers to the process of converting complex data structures or objects into a format that can be easily transmitted over a network, stored, or reconstructed. In the context of Hadoop, serialization is particularly important for the efficient storage and transmission of data between nodes in a distributed computing environment. </a:t>
-            </a:r>
-            <a:endParaRPr lang="en-US" dirty="0" smtClean="0"/>
-          </a:p>
-          <a:p>
-            <a:pPr algn="just"/>
-            <a:r>
-              <a:rPr lang="en-US" dirty="0" smtClean="0"/>
-              <a:t>Hadoop </a:t>
-            </a:r>
-            <a:r>
-              <a:rPr lang="en-US" dirty="0"/>
-              <a:t>uses serialization to represent data in a form that can be easily processed by its distributed computing framework.</a:t>
-            </a:r>
-          </a:p>
-        </p:txBody>
-      </p:sp>
-    </p:spTree>
-  </p:cSld>
-  <p:clrMapOvr>
-    <a:masterClrMapping/>
-  </p:clrMapOvr>
-</p:sld>
-</file>
-
-<file path=ppt/slides/slide14.xml><?xml version="1.0" encoding="utf-8"?>
-<p:sld xmlns:a="http://schemas.openxmlformats.org/drawingml/2006/main" xmlns:r="http://schemas.openxmlformats.org/officeDocument/2006/relationships" xmlns:p="http://schemas.openxmlformats.org/presentationml/2006/main">
-  <p:cSld>
-    <p:spTree>
-      <p:nvGrpSpPr>
-        <p:cNvPr id="1" name=""/>
-        <p:cNvGrpSpPr/>
-        <p:nvPr/>
-      </p:nvGrpSpPr>
-      <p:grpSpPr>
-        <a:xfrm>
-          <a:off x="0" y="0"/>
-          <a:ext cx="0" cy="0"/>
-          <a:chOff x="0" y="0"/>
-          <a:chExt cx="0" cy="0"/>
-        </a:xfrm>
-      </p:grpSpPr>
-      <p:sp>
-        <p:nvSpPr>
-          <p:cNvPr id="2" name="Title 1"/>
-          <p:cNvSpPr>
-            <a:spLocks noGrp="1"/>
-          </p:cNvSpPr>
-          <p:nvPr>
-            <p:ph type="title"/>
-          </p:nvPr>
-        </p:nvSpPr>
-        <p:spPr/>
-        <p:txBody>
-          <a:bodyPr/>
-          <a:lstStyle/>
-          <a:p>
-            <a:endParaRPr lang="en-US"/>
-          </a:p>
-        </p:txBody>
-      </p:sp>
-      <p:sp>
-        <p:nvSpPr>
-          <p:cNvPr id="3" name="Content Placeholder 2"/>
-          <p:cNvSpPr>
-            <a:spLocks noGrp="1"/>
-          </p:cNvSpPr>
-          <p:nvPr>
-            <p:ph idx="1"/>
-          </p:nvPr>
-        </p:nvSpPr>
-        <p:spPr/>
-        <p:txBody>
-          <a:bodyPr/>
-          <a:lstStyle/>
-          <a:p>
-            <a:r>
-              <a:rPr lang="en-US" dirty="0" smtClean="0"/>
-              <a:t/>
-            </a:r>
-            <a:br>
-              <a:rPr lang="en-US" dirty="0" smtClean="0"/>
-            </a:br>
-            <a:r>
-              <a:rPr lang="en-US" dirty="0"/>
-              <a:t>In Hadoop, serialization is an essential aspect of processing and transferring data efficiently within the </a:t>
-            </a:r>
-            <a:r>
-              <a:rPr lang="en-US" dirty="0" err="1"/>
-              <a:t>MapReduce</a:t>
-            </a:r>
-            <a:r>
-              <a:rPr lang="en-US" dirty="0"/>
-              <a:t> framework. Hadoop provides several serialization mechanisms, and the choice of serialization depends on the specific requirements of the job. Here are some common types of serializations in Hadoop:</a:t>
-            </a:r>
-          </a:p>
-        </p:txBody>
-      </p:sp>
-    </p:spTree>
-  </p:cSld>
-  <p:clrMapOvr>
-    <a:masterClrMapping/>
-  </p:clrMapOvr>
-</p:sld>
-</file>
-
-<file path=ppt/slides/slide15.xml><?xml version="1.0" encoding="utf-8"?>
-<p:sld xmlns:a="http://schemas.openxmlformats.org/drawingml/2006/main" xmlns:r="http://schemas.openxmlformats.org/officeDocument/2006/relationships" xmlns:p="http://schemas.openxmlformats.org/presentationml/2006/main">
-  <p:cSld>
-    <p:spTree>
-      <p:nvGrpSpPr>
-        <p:cNvPr id="1" name=""/>
-        <p:cNvGrpSpPr/>
-        <p:nvPr/>
-      </p:nvGrpSpPr>
-      <p:grpSpPr>
-        <a:xfrm>
-          <a:off x="0" y="0"/>
-          <a:ext cx="0" cy="0"/>
-          <a:chOff x="0" y="0"/>
-          <a:chExt cx="0" cy="0"/>
-        </a:xfrm>
-      </p:grpSpPr>
-      <p:sp>
-        <p:nvSpPr>
-          <p:cNvPr id="2" name="Title 1"/>
-          <p:cNvSpPr>
-            <a:spLocks noGrp="1"/>
-          </p:cNvSpPr>
-          <p:nvPr>
-            <p:ph type="title"/>
-          </p:nvPr>
-        </p:nvSpPr>
-        <p:spPr/>
-        <p:txBody>
-          <a:bodyPr>
-            <a:normAutofit fontScale="90000"/>
-          </a:bodyPr>
-          <a:lstStyle/>
-          <a:p>
-            <a:r>
-              <a:rPr lang="en-US" b="1" dirty="0" smtClean="0"/>
-              <a:t>Writable Interface-Serialization</a:t>
-            </a:r>
-            <a:br>
-              <a:rPr lang="en-US" b="1" dirty="0" smtClean="0"/>
-            </a:br>
-            <a:endParaRPr lang="en-US" dirty="0"/>
-          </a:p>
-        </p:txBody>
-      </p:sp>
-      <p:sp>
-        <p:nvSpPr>
-          <p:cNvPr id="3" name="Content Placeholder 2"/>
-          <p:cNvSpPr>
-            <a:spLocks noGrp="1"/>
-          </p:cNvSpPr>
-          <p:nvPr>
-            <p:ph idx="1"/>
-          </p:nvPr>
-        </p:nvSpPr>
-        <p:spPr/>
-        <p:txBody>
-          <a:bodyPr>
-            <a:normAutofit fontScale="92500" lnSpcReduction="10000"/>
-          </a:bodyPr>
-          <a:lstStyle/>
-          <a:p>
-            <a:r>
-              <a:rPr lang="en-US" dirty="0" smtClean="0"/>
-              <a:t>Hadoop </a:t>
-            </a:r>
-            <a:r>
-              <a:rPr lang="en-US" dirty="0"/>
-              <a:t>defines the Writable interface, which is similar to Java's </a:t>
-            </a:r>
-            <a:r>
-              <a:rPr lang="en-US" dirty="0" err="1"/>
-              <a:t>Serializable</a:t>
-            </a:r>
-            <a:r>
-              <a:rPr lang="en-US" dirty="0"/>
-              <a:t> interface. Objects that implement the Writable interface can be efficiently serialized and </a:t>
-            </a:r>
-            <a:r>
-              <a:rPr lang="en-US" dirty="0" err="1"/>
-              <a:t>deserialized</a:t>
-            </a:r>
-            <a:r>
-              <a:rPr lang="en-US" dirty="0"/>
-              <a:t> by </a:t>
-            </a:r>
-            <a:r>
-              <a:rPr lang="en-US" dirty="0" err="1"/>
-              <a:t>Hadoop's</a:t>
-            </a:r>
-            <a:r>
-              <a:rPr lang="en-US" dirty="0"/>
-              <a:t> </a:t>
-            </a:r>
-            <a:r>
-              <a:rPr lang="en-US" dirty="0" err="1"/>
-              <a:t>MapReduce</a:t>
-            </a:r>
-            <a:r>
-              <a:rPr lang="en-US" dirty="0"/>
-              <a:t> framework. The Writable interface includes two main methods:</a:t>
-            </a:r>
-          </a:p>
-          <a:p>
-            <a:r>
-              <a:rPr lang="en-US" b="1" dirty="0"/>
-              <a:t>write(</a:t>
-            </a:r>
-            <a:r>
-              <a:rPr lang="en-US" b="1" dirty="0" err="1"/>
-              <a:t>DataOutput</a:t>
-            </a:r>
-            <a:r>
-              <a:rPr lang="en-US" b="1" dirty="0"/>
-              <a:t> out):</a:t>
-            </a:r>
-            <a:r>
-              <a:rPr lang="en-US" dirty="0"/>
-              <a:t> Serializes the object to a binary stream.</a:t>
-            </a:r>
-          </a:p>
-          <a:p>
-            <a:r>
-              <a:rPr lang="en-US" b="1" dirty="0" err="1"/>
-              <a:t>readFields</a:t>
-            </a:r>
-            <a:r>
-              <a:rPr lang="en-US" b="1" dirty="0"/>
-              <a:t>(</a:t>
-            </a:r>
-            <a:r>
-              <a:rPr lang="en-US" b="1" dirty="0" err="1"/>
-              <a:t>DataInput</a:t>
-            </a:r>
-            <a:r>
-              <a:rPr lang="en-US" b="1" dirty="0"/>
-              <a:t> in):</a:t>
-            </a:r>
-            <a:r>
-              <a:rPr lang="en-US" dirty="0"/>
-              <a:t> </a:t>
-            </a:r>
-            <a:r>
-              <a:rPr lang="en-US" dirty="0" err="1"/>
-              <a:t>Deserializes</a:t>
-            </a:r>
-            <a:r>
-              <a:rPr lang="en-US" dirty="0"/>
-              <a:t> the object from a binary stream.</a:t>
-            </a:r>
-          </a:p>
-          <a:p>
-            <a:endParaRPr lang="en-US" dirty="0"/>
-          </a:p>
-        </p:txBody>
-      </p:sp>
-    </p:spTree>
-  </p:cSld>
-  <p:clrMapOvr>
-    <a:masterClrMapping/>
-  </p:clrMapOvr>
-</p:sld>
-</file>
-
 <file path=ppt/slides/slide16.xml><?xml version="1.0" encoding="utf-8"?>
 <p:sld xmlns:a="http://schemas.openxmlformats.org/drawingml/2006/main" xmlns:r="http://schemas.openxmlformats.org/officeDocument/2006/relationships" xmlns:p="http://schemas.openxmlformats.org/presentationml/2006/main">
   <p:cSld>
@@ -3978,7 +4032,11 @@
           <a:bodyPr/>
           <a:lstStyle/>
           <a:p>
-            <a:endParaRPr lang="en-US"/>
+            <a:r>
+              <a:rPr lang="en-US" dirty="0" smtClean="0"/>
+              <a:t>Serialization in Hadoop</a:t>
+            </a:r>
+            <a:endParaRPr lang="en-US" dirty="0"/>
           </a:p>
         </p:txBody>
       </p:sp>
@@ -3994,28 +4052,27 @@
         </p:nvSpPr>
         <p:spPr/>
         <p:txBody>
-          <a:bodyPr/>
-          <a:lstStyle/>
-          <a:p>
+          <a:bodyPr>
+            <a:normAutofit fontScale="92500" lnSpcReduction="20000"/>
+          </a:bodyPr>
+          <a:lstStyle/>
+          <a:p>
+            <a:pPr algn="just"/>
             <a:r>
               <a:rPr lang="en-US" dirty="0"/>
-              <a:t>In Hadoop </a:t>
-            </a:r>
-            <a:r>
-              <a:rPr lang="en-US" dirty="0" err="1"/>
-              <a:t>MapReduce</a:t>
+              <a:t>Serialization in Hadoop refers to the process of converting complex data structures or objects into a format that can be easily transmitted over a network, stored, or reconstructed. In the context of Hadoop, serialization is particularly important for the efficient storage and transmission of data between nodes in a distributed computing environment. </a:t>
+            </a:r>
+            <a:endParaRPr lang="en-US" dirty="0" smtClean="0"/>
+          </a:p>
+          <a:p>
+            <a:pPr algn="just"/>
+            <a:r>
+              <a:rPr lang="en-US" dirty="0" smtClean="0"/>
+              <a:t>Hadoop </a:t>
             </a:r>
             <a:r>
               <a:rPr lang="en-US" dirty="0"/>
-              <a:t>, serialization is the process of converting complex data structures or objects into a format that can be easily transmitted over a network, stored, or reconstructed. Hadoop uses its own serialization framework, primarily based on the </a:t>
-            </a:r>
-            <a:r>
-              <a:rPr lang="en-US" dirty="0" smtClean="0"/>
-              <a:t>Writable</a:t>
-            </a:r>
-            <a:r>
-              <a:rPr lang="en-US" dirty="0"/>
-              <a:t> interface.</a:t>
+              <a:t>uses serialization to represent data in a form that can be easily processed by its distributed computing framework.</a:t>
             </a:r>
           </a:p>
         </p:txBody>
@@ -4057,84 +4114,38 @@
         </p:nvSpPr>
         <p:spPr/>
         <p:txBody>
-          <a:bodyPr>
-            <a:normAutofit fontScale="90000"/>
-          </a:bodyPr>
-          <a:lstStyle/>
-          <a:p>
-            <a:r>
-              <a:rPr lang="en-US" b="1" dirty="0"/>
-              <a:t>Key Points about Hadoop Serialization:</a:t>
+          <a:bodyPr/>
+          <a:lstStyle/>
+          <a:p>
+            <a:endParaRPr lang="en-US"/>
+          </a:p>
+        </p:txBody>
+      </p:sp>
+      <p:sp>
+        <p:nvSpPr>
+          <p:cNvPr id="3" name="Content Placeholder 2"/>
+          <p:cNvSpPr>
+            <a:spLocks noGrp="1"/>
+          </p:cNvSpPr>
+          <p:nvPr>
+            <p:ph idx="1"/>
+          </p:nvPr>
+        </p:nvSpPr>
+        <p:spPr/>
+        <p:txBody>
+          <a:bodyPr/>
+          <a:lstStyle/>
+          <a:p>
+            <a:r>
+              <a:rPr lang="en-US" dirty="0" smtClean="0"/>
+              <a:t/>
             </a:r>
             <a:br>
-              <a:rPr lang="en-US" b="1" dirty="0"/>
+              <a:rPr lang="en-US" dirty="0" smtClean="0"/>
             </a:br>
-            <a:endParaRPr lang="en-US" dirty="0"/>
-          </a:p>
-        </p:txBody>
-      </p:sp>
-      <p:sp>
-        <p:nvSpPr>
-          <p:cNvPr id="3" name="Content Placeholder 2"/>
-          <p:cNvSpPr>
-            <a:spLocks noGrp="1"/>
-          </p:cNvSpPr>
-          <p:nvPr>
-            <p:ph idx="1"/>
-          </p:nvPr>
-        </p:nvSpPr>
-        <p:spPr/>
-        <p:txBody>
-          <a:bodyPr>
-            <a:normAutofit fontScale="92500" lnSpcReduction="20000"/>
-          </a:bodyPr>
-          <a:lstStyle/>
-          <a:p>
-            <a:r>
-              <a:rPr lang="en-US" b="1" dirty="0"/>
-              <a:t>Writable Interface:</a:t>
-            </a:r>
-            <a:endParaRPr lang="en-US" dirty="0"/>
-          </a:p>
-          <a:p>
-            <a:pPr lvl="1"/>
-            <a:r>
-              <a:rPr lang="en-US" dirty="0" err="1"/>
-              <a:t>Hadoop's</a:t>
-            </a:r>
             <a:r>
               <a:rPr lang="en-US" dirty="0"/>
-              <a:t> primary serialization mechanism is based on the Writable interface. This interface is similar to Java's </a:t>
-            </a:r>
-            <a:r>
-              <a:rPr lang="en-US" dirty="0" err="1"/>
-              <a:t>Serializable</a:t>
-            </a:r>
-            <a:r>
-              <a:rPr lang="en-US" dirty="0"/>
-              <a:t> interface but is designed for efficient serialization in a distributed computing environment.</a:t>
-            </a:r>
-          </a:p>
-          <a:p>
-            <a:r>
-              <a:rPr lang="en-US" b="1" dirty="0"/>
-              <a:t>Default Serialization for Standard Types:</a:t>
-            </a:r>
-            <a:endParaRPr lang="en-US" dirty="0"/>
-          </a:p>
-          <a:p>
-            <a:pPr lvl="1"/>
-            <a:r>
-              <a:rPr lang="en-US" dirty="0"/>
-              <a:t>Standard Hadoop data types provided in the org.apache.hadoop.io package, such as </a:t>
-            </a:r>
-            <a:r>
-              <a:rPr lang="en-US" dirty="0" err="1"/>
-              <a:t>LongWritable</a:t>
-            </a:r>
-            <a:r>
-              <a:rPr lang="en-US" dirty="0"/>
-              <a:t>, Text, and others, implement the Writable interface. The </a:t>
+              <a:t>In Hadoop, serialization is an essential aspect of processing and transferring data efficiently within the </a:t>
             </a:r>
             <a:r>
               <a:rPr lang="en-US" dirty="0" err="1"/>
@@ -4142,19 +4153,8 @@
             </a:r>
             <a:r>
               <a:rPr lang="en-US" dirty="0"/>
-              <a:t> framework automatically handles the serialization and </a:t>
-            </a:r>
-            <a:r>
-              <a:rPr lang="en-US" dirty="0" err="1"/>
-              <a:t>deserialization</a:t>
-            </a:r>
-            <a:r>
-              <a:rPr lang="en-US" dirty="0"/>
-              <a:t> of these types.</a:t>
-            </a:r>
-          </a:p>
-          <a:p>
-            <a:endParaRPr lang="en-US" dirty="0"/>
+              <a:t> framework. Hadoop provides several serialization mechanisms, and the choice of serialization depends on the specific requirements of the job. Here are some common types of serializations in Hadoop:</a:t>
+            </a:r>
           </a:p>
         </p:txBody>
       </p:sp>
@@ -4195,10 +4195,19 @@
         </p:nvSpPr>
         <p:spPr/>
         <p:txBody>
-          <a:bodyPr/>
-          <a:lstStyle/>
-          <a:p>
-            <a:endParaRPr lang="en-US"/>
+          <a:bodyPr>
+            <a:normAutofit fontScale="90000"/>
+          </a:bodyPr>
+          <a:lstStyle/>
+          <a:p>
+            <a:r>
+              <a:rPr lang="en-US" b="1" dirty="0" smtClean="0"/>
+              <a:t>Writable Interface-Serialization</a:t>
+            </a:r>
+            <a:br>
+              <a:rPr lang="en-US" b="1" dirty="0" smtClean="0"/>
+            </a:br>
+            <a:endParaRPr lang="en-US" dirty="0"/>
           </a:p>
         </p:txBody>
       </p:sp>
@@ -4214,44 +4223,98 @@
         </p:nvSpPr>
         <p:spPr/>
         <p:txBody>
-          <a:bodyPr/>
-          <a:lstStyle/>
-          <a:p>
-            <a:r>
-              <a:rPr lang="en-US" b="1" dirty="0" smtClean="0"/>
-              <a:t>Custom Serialization for Custom Types:</a:t>
-            </a:r>
-            <a:endParaRPr lang="en-US" dirty="0" smtClean="0"/>
-          </a:p>
-          <a:p>
-            <a:pPr lvl="1"/>
-            <a:r>
-              <a:rPr lang="en-US" dirty="0" smtClean="0"/>
-              <a:t>When dealing with custom data types, it's common to implement the Writable interface for efficient serialization. Custom classes need to provide implementations for the write(</a:t>
-            </a:r>
-            <a:r>
-              <a:rPr lang="en-US" dirty="0" err="1" smtClean="0"/>
+          <a:bodyPr>
+            <a:normAutofit fontScale="92500" lnSpcReduction="10000"/>
+          </a:bodyPr>
+          <a:lstStyle/>
+          <a:p>
+            <a:r>
+              <a:rPr lang="en-US" dirty="0" smtClean="0"/>
+              <a:t>Hadoop </a:t>
+            </a:r>
+            <a:r>
+              <a:rPr lang="en-US" dirty="0"/>
+              <a:t>defines the Writable interface, which is similar to Java's </a:t>
+            </a:r>
+            <a:r>
+              <a:rPr lang="en-US" dirty="0" err="1"/>
+              <a:t>Serializable</a:t>
+            </a:r>
+            <a:r>
+              <a:rPr lang="en-US" dirty="0"/>
+              <a:t> interface. Objects that implement the Writable interface can be efficiently serialized and </a:t>
+            </a:r>
+            <a:r>
+              <a:rPr lang="en-US" dirty="0" err="1"/>
+              <a:t>deserialized</a:t>
+            </a:r>
+            <a:r>
+              <a:rPr lang="en-US" dirty="0"/>
+              <a:t> by </a:t>
+            </a:r>
+            <a:r>
+              <a:rPr lang="en-US" dirty="0" err="1"/>
+              <a:t>Hadoop's</a:t>
+            </a:r>
+            <a:r>
+              <a:rPr lang="en-US" dirty="0"/>
+              <a:t> </a:t>
+            </a:r>
+            <a:r>
+              <a:rPr lang="en-US" dirty="0" err="1"/>
+              <a:t>MapReduce</a:t>
+            </a:r>
+            <a:r>
+              <a:rPr lang="en-US" dirty="0"/>
+              <a:t> framework. The Writable interface includes two main methods:</a:t>
+            </a:r>
+          </a:p>
+          <a:p>
+            <a:r>
+              <a:rPr lang="en-US" b="1" dirty="0"/>
+              <a:t>write(</a:t>
+            </a:r>
+            <a:r>
+              <a:rPr lang="en-US" b="1" dirty="0" err="1"/>
               <a:t>DataOutput</a:t>
             </a:r>
             <a:r>
-              <a:rPr lang="en-US" dirty="0" smtClean="0"/>
-              <a:t> out) and </a:t>
-            </a:r>
-            <a:r>
-              <a:rPr lang="en-US" dirty="0" err="1" smtClean="0"/>
+              <a:rPr lang="en-US" b="1" dirty="0"/>
+              <a:t> out):</a:t>
+            </a:r>
+            <a:r>
+              <a:rPr lang="en-US" dirty="0"/>
+              <a:t> Serializes the object to a binary stream.</a:t>
+            </a:r>
+          </a:p>
+          <a:p>
+            <a:r>
+              <a:rPr lang="en-US" b="1" dirty="0" err="1"/>
               <a:t>readFields</a:t>
             </a:r>
             <a:r>
-              <a:rPr lang="en-US" dirty="0" smtClean="0"/>
+              <a:rPr lang="en-US" b="1" dirty="0"/>
               <a:t>(</a:t>
             </a:r>
             <a:r>
-              <a:rPr lang="en-US" dirty="0" err="1" smtClean="0"/>
+              <a:rPr lang="en-US" b="1" dirty="0" err="1"/>
               <a:t>DataInput</a:t>
             </a:r>
             <a:r>
-              <a:rPr lang="en-US" dirty="0" smtClean="0"/>
-              <a:t> in) methods.</a:t>
+              <a:rPr lang="en-US" b="1" dirty="0"/>
+              <a:t> in):</a:t>
+            </a:r>
+            <a:r>
+              <a:rPr lang="en-US" dirty="0"/>
+              <a:t> </a:t>
+            </a:r>
+            <a:r>
+              <a:rPr lang="en-US" dirty="0" err="1"/>
+              <a:t>Deserializes</a:t>
+            </a:r>
+            <a:r>
+              <a:rPr lang="en-US" dirty="0"/>
+              <a:t> the object from a binary stream.</a:t>
             </a:r>
           </a:p>
           <a:p>
@@ -4315,105 +4378,29 @@
         </p:nvSpPr>
         <p:spPr/>
         <p:txBody>
-          <a:bodyPr>
-            <a:normAutofit fontScale="92500" lnSpcReduction="20000"/>
-          </a:bodyPr>
-          <a:lstStyle/>
-          <a:p>
-            <a:r>
-              <a:rPr lang="en-US" dirty="0" smtClean="0"/>
-              <a:t>import </a:t>
-            </a:r>
-            <a:r>
-              <a:rPr lang="en-US" dirty="0" err="1" smtClean="0"/>
-              <a:t>java.io.DataInput</a:t>
-            </a:r>
-            <a:r>
-              <a:rPr lang="en-US" dirty="0" smtClean="0"/>
-              <a:t>;</a:t>
-            </a:r>
-          </a:p>
-          <a:p>
-            <a:r>
-              <a:rPr lang="en-US" dirty="0" smtClean="0"/>
-              <a:t>import </a:t>
-            </a:r>
-            <a:r>
-              <a:rPr lang="en-US" dirty="0" err="1" smtClean="0"/>
-              <a:t>java.io.DataOutput</a:t>
-            </a:r>
-            <a:r>
-              <a:rPr lang="en-US" dirty="0" smtClean="0"/>
-              <a:t>;</a:t>
-            </a:r>
-          </a:p>
-          <a:p>
-            <a:r>
-              <a:rPr lang="en-US" dirty="0" smtClean="0"/>
-              <a:t>import </a:t>
-            </a:r>
-            <a:r>
-              <a:rPr lang="en-US" dirty="0" err="1" smtClean="0"/>
-              <a:t>java.io.IOException</a:t>
-            </a:r>
-            <a:r>
-              <a:rPr lang="en-US" dirty="0" smtClean="0"/>
-              <a:t>;</a:t>
-            </a:r>
-          </a:p>
-          <a:p>
-            <a:r>
-              <a:rPr lang="en-US" dirty="0" smtClean="0"/>
-              <a:t>import </a:t>
-            </a:r>
-            <a:r>
-              <a:rPr lang="en-US" dirty="0" err="1" smtClean="0"/>
-              <a:t>org.apache.hadoop.io.Writable</a:t>
-            </a:r>
-            <a:r>
-              <a:rPr lang="en-US" dirty="0" smtClean="0"/>
-              <a:t>;</a:t>
-            </a:r>
-          </a:p>
-          <a:p>
-            <a:endParaRPr lang="en-US" dirty="0" smtClean="0"/>
-          </a:p>
-          <a:p>
-            <a:r>
-              <a:rPr lang="en-US" dirty="0" smtClean="0"/>
-              <a:t>public class </a:t>
-            </a:r>
-            <a:r>
-              <a:rPr lang="en-US" dirty="0" err="1" smtClean="0"/>
-              <a:t>CustomWritable</a:t>
-            </a:r>
-            <a:r>
-              <a:rPr lang="en-US" dirty="0" smtClean="0"/>
-              <a:t> implements Writable {</a:t>
-            </a:r>
-          </a:p>
-          <a:p>
-            <a:r>
-              <a:rPr lang="en-US" dirty="0" smtClean="0"/>
-              <a:t>    // Implementation of write and </a:t>
-            </a:r>
-            <a:r>
-              <a:rPr lang="en-US" dirty="0" err="1" smtClean="0"/>
-              <a:t>readFields</a:t>
-            </a:r>
-            <a:r>
-              <a:rPr lang="en-US" dirty="0" smtClean="0"/>
-              <a:t> methods</a:t>
-            </a:r>
-          </a:p>
-          <a:p>
-            <a:r>
-              <a:rPr lang="en-US" dirty="0" smtClean="0"/>
-              <a:t>}</a:t>
-            </a:r>
-          </a:p>
-          <a:p>
-            <a:endParaRPr lang="en-US" dirty="0"/>
+          <a:bodyPr/>
+          <a:lstStyle/>
+          <a:p>
+            <a:r>
+              <a:rPr lang="en-US" dirty="0"/>
+              <a:t>In Hadoop </a:t>
+            </a:r>
+            <a:r>
+              <a:rPr lang="en-US" dirty="0" err="1"/>
+              <a:t>MapReduce</a:t>
+            </a:r>
+            <a:r>
+              <a:rPr lang="en-US" dirty="0"/>
+              <a:t>, serialization is the process of converting complex data structures or objects into a format that can be easily transmitted over a network, stored, or reconstructed. Hadoop uses its own serialization framework, primarily based on the </a:t>
+            </a:r>
+            <a:r>
+              <a:rPr lang="en-US" dirty="0" smtClean="0"/>
+              <a:t>Writable</a:t>
+            </a:r>
+            <a:r>
+              <a:rPr lang="en-US" dirty="0"/>
+              <a:t> interface.</a:t>
+            </a:r>
           </a:p>
         </p:txBody>
       </p:sp>
@@ -4596,13 +4583,18 @@
         </p:nvSpPr>
         <p:spPr/>
         <p:txBody>
-          <a:bodyPr/>
-          <a:lstStyle/>
-          <a:p>
-            <a:r>
-              <a:rPr lang="en-US" dirty="0" smtClean="0"/>
-              <a:t>Types of Serialization in Hadoop</a:t>
-            </a:r>
+          <a:bodyPr>
+            <a:normAutofit fontScale="90000"/>
+          </a:bodyPr>
+          <a:lstStyle/>
+          <a:p>
+            <a:r>
+              <a:rPr lang="en-US" b="1" dirty="0"/>
+              <a:t>Key Points about Hadoop Serialization:</a:t>
+            </a:r>
+            <a:br>
+              <a:rPr lang="en-US" b="1" dirty="0"/>
+            </a:br>
             <a:endParaRPr lang="en-US" dirty="0"/>
           </a:p>
         </p:txBody>
@@ -4619,31 +4611,48 @@
         </p:nvSpPr>
         <p:spPr/>
         <p:txBody>
-          <a:bodyPr/>
+          <a:bodyPr>
+            <a:normAutofit fontScale="92500" lnSpcReduction="20000"/>
+          </a:bodyPr>
           <a:lstStyle/>
           <a:p>
             <a:r>
               <a:rPr lang="en-US" b="1" dirty="0"/>
-              <a:t>Writable Serialization:</a:t>
+              <a:t>Writable Interface:</a:t>
             </a:r>
             <a:endParaRPr lang="en-US" dirty="0"/>
           </a:p>
           <a:p>
-            <a:r>
-              <a:rPr lang="en-US" b="1" dirty="0"/>
-              <a:t>Description:</a:t>
-            </a:r>
-            <a:r>
-              <a:rPr lang="en-US" dirty="0"/>
-              <a:t> </a:t>
-            </a:r>
+            <a:pPr lvl="1"/>
             <a:r>
               <a:rPr lang="en-US" dirty="0" err="1"/>
               <a:t>Hadoop's</a:t>
             </a:r>
             <a:r>
               <a:rPr lang="en-US" dirty="0"/>
-              <a:t> native serialization mechanism is based on the Writable interface. Standard Hadoop data types like </a:t>
+              <a:t> primary serialization mechanism is based on the Writable interface. This interface is similar to Java's </a:t>
+            </a:r>
+            <a:r>
+              <a:rPr lang="en-US" dirty="0" err="1"/>
+              <a:t>Serializable</a:t>
+            </a:r>
+            <a:r>
+              <a:rPr lang="en-US" dirty="0"/>
+              <a:t> interface but is designed for efficient serialization in a distributed computing environment.</a:t>
+            </a:r>
+          </a:p>
+          <a:p>
+            <a:r>
+              <a:rPr lang="en-US" b="1" dirty="0"/>
+              <a:t>Default Serialization for Standard Types:</a:t>
+            </a:r>
+            <a:endParaRPr lang="en-US" dirty="0"/>
+          </a:p>
+          <a:p>
+            <a:pPr lvl="1"/>
+            <a:r>
+              <a:rPr lang="en-US" dirty="0"/>
+              <a:t>Standard Hadoop data types provided in the org.apache.hadoop.io package, such as </a:t>
             </a:r>
             <a:r>
               <a:rPr lang="en-US" dirty="0" err="1"/>
@@ -4651,7 +4660,23 @@
             </a:r>
             <a:r>
               <a:rPr lang="en-US" dirty="0"/>
-              <a:t>, Text, and others implement this interface. Custom classes can implement Writable to provide their serialization logic.</a:t>
+              <a:t>, Text, and others, implement the Writable interface. The </a:t>
+            </a:r>
+            <a:r>
+              <a:rPr lang="en-US" dirty="0" err="1"/>
+              <a:t>MapReduce</a:t>
+            </a:r>
+            <a:r>
+              <a:rPr lang="en-US" dirty="0"/>
+              <a:t> framework automatically handles the serialization and </a:t>
+            </a:r>
+            <a:r>
+              <a:rPr lang="en-US" dirty="0" err="1"/>
+              <a:t>deserialization</a:t>
+            </a:r>
+            <a:r>
+              <a:rPr lang="en-US" dirty="0"/>
+              <a:t> of these types.</a:t>
             </a:r>
           </a:p>
           <a:p>
@@ -4719,39 +4744,24 @@
           <a:lstStyle/>
           <a:p>
             <a:r>
-              <a:rPr lang="en-US" dirty="0" smtClean="0"/>
-              <a:t>import </a:t>
+              <a:rPr lang="en-US" b="1" dirty="0" smtClean="0"/>
+              <a:t>Custom Serialization for Custom Types:</a:t>
+            </a:r>
+            <a:endParaRPr lang="en-US" dirty="0" smtClean="0"/>
+          </a:p>
+          <a:p>
+            <a:pPr lvl="1"/>
+            <a:r>
+              <a:rPr lang="en-US" dirty="0" smtClean="0"/>
+              <a:t>When dealing with custom data types, it's common to implement the Writable interface for efficient serialization. Custom classes need to provide implementations for the write(</a:t>
             </a:r>
             <a:r>
               <a:rPr lang="en-US" dirty="0" err="1" smtClean="0"/>
-              <a:t>org.apache.hadoop.io.Writable</a:t>
-            </a:r>
-            <a:r>
-              <a:rPr lang="en-US" dirty="0" smtClean="0"/>
-              <a:t>;</a:t>
-            </a:r>
-          </a:p>
-          <a:p>
-            <a:endParaRPr lang="en-US" dirty="0" smtClean="0"/>
-          </a:p>
-          <a:p>
-            <a:r>
-              <a:rPr lang="en-US" dirty="0" smtClean="0"/>
-              <a:t>public class </a:t>
-            </a:r>
-            <a:r>
-              <a:rPr lang="en-US" dirty="0" err="1" smtClean="0"/>
-              <a:t>CustomWritable</a:t>
-            </a:r>
-            <a:r>
-              <a:rPr lang="en-US" dirty="0" smtClean="0"/>
-              <a:t> implements Writable {</a:t>
-            </a:r>
-          </a:p>
-          <a:p>
-            <a:r>
-              <a:rPr lang="en-US" dirty="0" smtClean="0"/>
-              <a:t>    // Implementation of write and </a:t>
+              <a:t>DataOutput</a:t>
+            </a:r>
+            <a:r>
+              <a:rPr lang="en-US" dirty="0" smtClean="0"/>
+              <a:t> out) and </a:t>
             </a:r>
             <a:r>
               <a:rPr lang="en-US" dirty="0" err="1" smtClean="0"/>
@@ -4759,13 +4769,15 @@
             </a:r>
             <a:r>
               <a:rPr lang="en-US" dirty="0" smtClean="0"/>
-              <a:t> methods</a:t>
-            </a:r>
-          </a:p>
-          <a:p>
-            <a:r>
-              <a:rPr lang="en-US" dirty="0" smtClean="0"/>
-              <a:t>}</a:t>
+              <a:t>(</a:t>
+            </a:r>
+            <a:r>
+              <a:rPr lang="en-US" dirty="0" err="1" smtClean="0"/>
+              <a:t>DataInput</a:t>
+            </a:r>
+            <a:r>
+              <a:rPr lang="en-US" dirty="0" smtClean="0"/>
+              <a:t> in) methods.</a:t>
             </a:r>
           </a:p>
           <a:p>
@@ -4810,64 +4822,120 @@
         </p:nvSpPr>
         <p:spPr/>
         <p:txBody>
+          <a:bodyPr/>
+          <a:lstStyle/>
+          <a:p>
+            <a:endParaRPr lang="en-US"/>
+          </a:p>
+        </p:txBody>
+      </p:sp>
+      <p:sp>
+        <p:nvSpPr>
+          <p:cNvPr id="3" name="Content Placeholder 2"/>
+          <p:cNvSpPr>
+            <a:spLocks noGrp="1"/>
+          </p:cNvSpPr>
+          <p:nvPr>
+            <p:ph idx="1"/>
+          </p:nvPr>
+        </p:nvSpPr>
+        <p:spPr/>
+        <p:txBody>
           <a:bodyPr>
-            <a:normAutofit fontScale="90000"/>
+            <a:normAutofit fontScale="92500" lnSpcReduction="20000"/>
           </a:bodyPr>
           <a:lstStyle/>
           <a:p>
             <a:r>
-              <a:rPr lang="en-US" b="1" dirty="0" err="1" smtClean="0"/>
-              <a:t>SequenceFile</a:t>
-            </a:r>
-            <a:r>
-              <a:rPr lang="en-US" b="1" dirty="0" smtClean="0"/>
-              <a:t> Serialization:</a:t>
-            </a:r>
-            <a:r>
-              <a:rPr lang="en-US" dirty="0" smtClean="0"/>
-              <a:t/>
-            </a:r>
-            <a:br>
-              <a:rPr lang="en-US" dirty="0" smtClean="0"/>
-            </a:br>
-            <a:endParaRPr lang="en-US" dirty="0"/>
-          </a:p>
-        </p:txBody>
-      </p:sp>
-      <p:sp>
-        <p:nvSpPr>
-          <p:cNvPr id="3" name="Content Placeholder 2"/>
-          <p:cNvSpPr>
-            <a:spLocks noGrp="1"/>
-          </p:cNvSpPr>
-          <p:nvPr>
-            <p:ph idx="1"/>
-          </p:nvPr>
-        </p:nvSpPr>
-        <p:spPr/>
-        <p:txBody>
-          <a:bodyPr/>
-          <a:lstStyle/>
-          <a:p>
-            <a:r>
-              <a:rPr lang="en-US" b="1" dirty="0" smtClean="0"/>
-              <a:t>Description</a:t>
-            </a:r>
-            <a:r>
-              <a:rPr lang="en-US" b="1" dirty="0"/>
-              <a:t>:</a:t>
-            </a:r>
-            <a:r>
-              <a:rPr lang="en-US" dirty="0"/>
-              <a:t> The </a:t>
-            </a:r>
-            <a:r>
-              <a:rPr lang="en-US" dirty="0" err="1"/>
-              <a:t>SequenceFile</a:t>
-            </a:r>
-            <a:r>
-              <a:rPr lang="en-US" dirty="0"/>
-              <a:t> format is commonly used in Hadoop for storing serialized key-value pairs. It provides a binary format that is optimized for large-scale data storage and is often used as an intermediate format between Map and Reduce phases.</a:t>
+              <a:rPr lang="en-US" dirty="0" smtClean="0"/>
+              <a:t>import </a:t>
+            </a:r>
+            <a:r>
+              <a:rPr lang="en-US" dirty="0" err="1" smtClean="0"/>
+              <a:t>java.io.DataInput</a:t>
+            </a:r>
+            <a:r>
+              <a:rPr lang="en-US" dirty="0" smtClean="0"/>
+              <a:t>;</a:t>
+            </a:r>
+          </a:p>
+          <a:p>
+            <a:r>
+              <a:rPr lang="en-US" dirty="0" smtClean="0"/>
+              <a:t>import </a:t>
+            </a:r>
+            <a:r>
+              <a:rPr lang="en-US" dirty="0" err="1" smtClean="0"/>
+              <a:t>java.io.DataOutput</a:t>
+            </a:r>
+            <a:r>
+              <a:rPr lang="en-US" dirty="0" smtClean="0"/>
+              <a:t>;</a:t>
+            </a:r>
+          </a:p>
+          <a:p>
+            <a:r>
+              <a:rPr lang="en-US" dirty="0" smtClean="0"/>
+              <a:t>import </a:t>
+            </a:r>
+            <a:r>
+              <a:rPr lang="en-US" dirty="0" err="1" smtClean="0"/>
+              <a:t>java.io.IOException</a:t>
+            </a:r>
+            <a:r>
+              <a:rPr lang="en-US" dirty="0" smtClean="0"/>
+              <a:t>;</a:t>
+            </a:r>
+          </a:p>
+          <a:p>
+            <a:r>
+              <a:rPr lang="en-US" dirty="0" smtClean="0"/>
+              <a:t>import </a:t>
+            </a:r>
+            <a:r>
+              <a:rPr lang="en-US" dirty="0" err="1" smtClean="0"/>
+              <a:t>org.apache.hadoop.io.Writable</a:t>
+            </a:r>
+            <a:r>
+              <a:rPr lang="en-US" dirty="0" smtClean="0"/>
+              <a:t>;</a:t>
+            </a:r>
+          </a:p>
+          <a:p>
+            <a:endParaRPr lang="en-US" dirty="0" smtClean="0"/>
+          </a:p>
+          <a:p>
+            <a:r>
+              <a:rPr lang="en-US" dirty="0" smtClean="0"/>
+              <a:t>public class </a:t>
+            </a:r>
+            <a:r>
+              <a:rPr lang="en-US" dirty="0" err="1" smtClean="0"/>
+              <a:t>CustomWritable</a:t>
+            </a:r>
+            <a:r>
+              <a:rPr lang="en-US" dirty="0" smtClean="0"/>
+              <a:t> implements Writable {</a:t>
+            </a:r>
+          </a:p>
+          <a:p>
+            <a:r>
+              <a:rPr lang="en-US" dirty="0" smtClean="0"/>
+              <a:t>    // Implementation of write and </a:t>
+            </a:r>
+            <a:r>
+              <a:rPr lang="en-US" dirty="0" err="1" smtClean="0"/>
+              <a:t>readFields</a:t>
+            </a:r>
+            <a:r>
+              <a:rPr lang="en-US" dirty="0" smtClean="0"/>
+              <a:t> methods</a:t>
+            </a:r>
+          </a:p>
+          <a:p>
+            <a:r>
+              <a:rPr lang="en-US" dirty="0" smtClean="0"/>
+              <a:t>}</a:t>
             </a:r>
           </a:p>
           <a:p>
@@ -4915,7 +4983,11 @@
           <a:bodyPr/>
           <a:lstStyle/>
           <a:p>
-            <a:endParaRPr lang="en-US"/>
+            <a:r>
+              <a:rPr lang="en-US" dirty="0" smtClean="0"/>
+              <a:t>Types of Serialization in Hadoop</a:t>
+            </a:r>
+            <a:endParaRPr lang="en-US" dirty="0"/>
           </a:p>
         </p:txBody>
       </p:sp>
@@ -4931,110 +5003,39 @@
         </p:nvSpPr>
         <p:spPr/>
         <p:txBody>
-          <a:bodyPr>
-            <a:normAutofit fontScale="92500" lnSpcReduction="20000"/>
-          </a:bodyPr>
-          <a:lstStyle/>
-          <a:p>
-            <a:r>
-              <a:rPr lang="en-US" dirty="0" smtClean="0"/>
-              <a:t>import </a:t>
-            </a:r>
-            <a:r>
-              <a:rPr lang="en-US" dirty="0" err="1" smtClean="0"/>
-              <a:t>org.apache.hadoop.io.SequenceFile</a:t>
-            </a:r>
-            <a:r>
-              <a:rPr lang="en-US" dirty="0" smtClean="0"/>
-              <a:t>;</a:t>
-            </a:r>
-          </a:p>
-          <a:p>
-            <a:r>
-              <a:rPr lang="en-US" dirty="0" smtClean="0"/>
-              <a:t>Import </a:t>
-            </a:r>
-            <a:r>
-              <a:rPr lang="en-US" dirty="0" err="1" smtClean="0"/>
-              <a:t>org.apache.hadoop.io.SequenceFile.Writer</a:t>
-            </a:r>
-            <a:r>
-              <a:rPr lang="en-US" dirty="0" smtClean="0"/>
-              <a:t>;</a:t>
-            </a:r>
-          </a:p>
-          <a:p>
-            <a:endParaRPr lang="en-US" dirty="0" smtClean="0"/>
-          </a:p>
-          <a:p>
-            <a:r>
-              <a:rPr lang="en-US" dirty="0" smtClean="0"/>
-              <a:t>// Writing to a </a:t>
-            </a:r>
-            <a:r>
-              <a:rPr lang="en-US" dirty="0" err="1" smtClean="0"/>
-              <a:t>SequenceFile</a:t>
-            </a:r>
-            <a:endParaRPr lang="en-US" dirty="0" smtClean="0"/>
-          </a:p>
-          <a:p>
-            <a:r>
-              <a:rPr lang="en-US" dirty="0" err="1" smtClean="0"/>
-              <a:t>Writer.Option</a:t>
-            </a:r>
-            <a:r>
-              <a:rPr lang="en-US" dirty="0" smtClean="0"/>
-              <a:t> option = </a:t>
-            </a:r>
-            <a:r>
-              <a:rPr lang="en-US" dirty="0" err="1" smtClean="0"/>
-              <a:t>Writer.file</a:t>
-            </a:r>
-            <a:r>
-              <a:rPr lang="en-US" dirty="0" smtClean="0"/>
-              <a:t>(new Path("/path/to/</a:t>
-            </a:r>
-            <a:r>
-              <a:rPr lang="en-US" dirty="0" err="1" smtClean="0"/>
-              <a:t>sequencefile</a:t>
-            </a:r>
-            <a:r>
-              <a:rPr lang="en-US" dirty="0" smtClean="0"/>
-              <a:t>")).</a:t>
-            </a:r>
-            <a:r>
-              <a:rPr lang="en-US" dirty="0" err="1" smtClean="0"/>
-              <a:t>valueClass</a:t>
-            </a:r>
-            <a:r>
-              <a:rPr lang="en-US" dirty="0" smtClean="0"/>
-              <a:t>(</a:t>
-            </a:r>
-            <a:r>
-              <a:rPr lang="en-US" dirty="0" err="1" smtClean="0"/>
-              <a:t>CustomWritable.class</a:t>
-            </a:r>
-            <a:r>
-              <a:rPr lang="en-US" dirty="0" smtClean="0"/>
-              <a:t>);</a:t>
-            </a:r>
-          </a:p>
-          <a:p>
-            <a:r>
-              <a:rPr lang="en-US" dirty="0" err="1" smtClean="0"/>
-              <a:t>SequenceFile.Writer</a:t>
-            </a:r>
-            <a:r>
-              <a:rPr lang="en-US" dirty="0" smtClean="0"/>
-              <a:t> writer = </a:t>
-            </a:r>
-            <a:r>
-              <a:rPr lang="en-US" dirty="0" err="1" smtClean="0"/>
-              <a:t>SequenceFile.createWriter</a:t>
-            </a:r>
-            <a:r>
-              <a:rPr lang="en-US" dirty="0" smtClean="0"/>
-              <a:t>(conf, option);</a:t>
+          <a:bodyPr/>
+          <a:lstStyle/>
+          <a:p>
+            <a:r>
+              <a:rPr lang="en-US" b="1" dirty="0"/>
+              <a:t>Writable Serialization:</a:t>
+            </a:r>
+            <a:endParaRPr lang="en-US" dirty="0"/>
+          </a:p>
+          <a:p>
+            <a:r>
+              <a:rPr lang="en-US" b="1" dirty="0"/>
+              <a:t>Description:</a:t>
+            </a:r>
+            <a:r>
+              <a:rPr lang="en-US" dirty="0"/>
+              <a:t> </a:t>
+            </a:r>
+            <a:r>
+              <a:rPr lang="en-US" dirty="0" err="1"/>
+              <a:t>Hadoop's</a:t>
+            </a:r>
+            <a:r>
+              <a:rPr lang="en-US" dirty="0"/>
+              <a:t> native serialization mechanism is based on the Writable interface. Standard Hadoop data types like </a:t>
+            </a:r>
+            <a:r>
+              <a:rPr lang="en-US" dirty="0" err="1"/>
+              <a:t>LongWritable</a:t>
+            </a:r>
+            <a:r>
+              <a:rPr lang="en-US" dirty="0"/>
+              <a:t>, Text, and others implement this interface. Custom classes can implement Writable to provide their serialization logic.</a:t>
             </a:r>
           </a:p>
           <a:p>
@@ -5079,23 +5080,10 @@
         </p:nvSpPr>
         <p:spPr/>
         <p:txBody>
-          <a:bodyPr>
-            <a:normAutofit fontScale="90000"/>
-          </a:bodyPr>
-          <a:lstStyle/>
-          <a:p>
-            <a:r>
-              <a:rPr lang="en-US" b="1" dirty="0" smtClean="0"/>
-              <a:t>Avro Serialization:</a:t>
-            </a:r>
-            <a:r>
-              <a:rPr lang="en-US" dirty="0" smtClean="0"/>
-              <a:t/>
-            </a:r>
-            <a:br>
-              <a:rPr lang="en-US" dirty="0" smtClean="0"/>
-            </a:br>
-            <a:endParaRPr lang="en-US" dirty="0"/>
+          <a:bodyPr/>
+          <a:lstStyle/>
+          <a:p>
+            <a:endParaRPr lang="en-US"/>
           </a:p>
         </p:txBody>
       </p:sp>
@@ -5115,16 +5103,53 @@
           <a:lstStyle/>
           <a:p>
             <a:r>
-              <a:rPr lang="en-US" b="1" dirty="0" smtClean="0"/>
-              <a:t>Description</a:t>
-            </a:r>
-            <a:r>
-              <a:rPr lang="en-US" b="1" dirty="0"/>
-              <a:t>:</a:t>
-            </a:r>
-            <a:r>
-              <a:rPr lang="en-US" dirty="0"/>
-              <a:t> Avro is a schema-based serialization framework often used with Hadoop. It provides a compact binary format and supports schema evolution. Avro schemas define the structure of data, and serialized data includes schema information.</a:t>
+              <a:rPr lang="en-US" dirty="0" smtClean="0"/>
+              <a:t>import </a:t>
+            </a:r>
+            <a:r>
+              <a:rPr lang="en-US" dirty="0" err="1" smtClean="0"/>
+              <a:t>org.apache.hadoop.io.Writable</a:t>
+            </a:r>
+            <a:r>
+              <a:rPr lang="en-US" dirty="0" smtClean="0"/>
+              <a:t>;</a:t>
+            </a:r>
+          </a:p>
+          <a:p>
+            <a:endParaRPr lang="en-US" dirty="0" smtClean="0"/>
+          </a:p>
+          <a:p>
+            <a:r>
+              <a:rPr lang="en-US" dirty="0" smtClean="0"/>
+              <a:t>public class </a:t>
+            </a:r>
+            <a:r>
+              <a:rPr lang="en-US" dirty="0" err="1" smtClean="0"/>
+              <a:t>CustomWritable</a:t>
+            </a:r>
+            <a:r>
+              <a:rPr lang="en-US" dirty="0" smtClean="0"/>
+              <a:t> implements Writable {</a:t>
+            </a:r>
+          </a:p>
+          <a:p>
+            <a:r>
+              <a:rPr lang="en-US" dirty="0" smtClean="0"/>
+              <a:t>    // Implementation of write and </a:t>
+            </a:r>
+            <a:r>
+              <a:rPr lang="en-US" dirty="0" err="1" smtClean="0"/>
+              <a:t>readFields</a:t>
+            </a:r>
+            <a:r>
+              <a:rPr lang="en-US" dirty="0" smtClean="0"/>
+              <a:t> methods</a:t>
+            </a:r>
+          </a:p>
+          <a:p>
+            <a:r>
+              <a:rPr lang="en-US" dirty="0" smtClean="0"/>
+              <a:t>}</a:t>
             </a:r>
           </a:p>
           <a:p>
@@ -5141,6 +5166,365 @@
 </file>
 
 <file path=ppt/slides/slide25.xml><?xml version="1.0" encoding="utf-8"?>
+<p:sld xmlns:a="http://schemas.openxmlformats.org/drawingml/2006/main" xmlns:r="http://schemas.openxmlformats.org/officeDocument/2006/relationships" xmlns:p="http://schemas.openxmlformats.org/presentationml/2006/main">
+  <p:cSld>
+    <p:spTree>
+      <p:nvGrpSpPr>
+        <p:cNvPr id="1" name=""/>
+        <p:cNvGrpSpPr/>
+        <p:nvPr/>
+      </p:nvGrpSpPr>
+      <p:grpSpPr>
+        <a:xfrm>
+          <a:off x="0" y="0"/>
+          <a:ext cx="0" cy="0"/>
+          <a:chOff x="0" y="0"/>
+          <a:chExt cx="0" cy="0"/>
+        </a:xfrm>
+      </p:grpSpPr>
+      <p:sp>
+        <p:nvSpPr>
+          <p:cNvPr id="2" name="Title 1"/>
+          <p:cNvSpPr>
+            <a:spLocks noGrp="1"/>
+          </p:cNvSpPr>
+          <p:nvPr>
+            <p:ph type="title"/>
+          </p:nvPr>
+        </p:nvSpPr>
+        <p:spPr/>
+        <p:txBody>
+          <a:bodyPr>
+            <a:normAutofit fontScale="90000"/>
+          </a:bodyPr>
+          <a:lstStyle/>
+          <a:p>
+            <a:r>
+              <a:rPr lang="en-US" b="1" dirty="0" err="1" smtClean="0"/>
+              <a:t>SequenceFile</a:t>
+            </a:r>
+            <a:r>
+              <a:rPr lang="en-US" b="1" dirty="0" smtClean="0"/>
+              <a:t> Serialization:</a:t>
+            </a:r>
+            <a:r>
+              <a:rPr lang="en-US" dirty="0" smtClean="0"/>
+              <a:t/>
+            </a:r>
+            <a:br>
+              <a:rPr lang="en-US" dirty="0" smtClean="0"/>
+            </a:br>
+            <a:endParaRPr lang="en-US" dirty="0"/>
+          </a:p>
+        </p:txBody>
+      </p:sp>
+      <p:sp>
+        <p:nvSpPr>
+          <p:cNvPr id="3" name="Content Placeholder 2"/>
+          <p:cNvSpPr>
+            <a:spLocks noGrp="1"/>
+          </p:cNvSpPr>
+          <p:nvPr>
+            <p:ph idx="1"/>
+          </p:nvPr>
+        </p:nvSpPr>
+        <p:spPr/>
+        <p:txBody>
+          <a:bodyPr/>
+          <a:lstStyle/>
+          <a:p>
+            <a:r>
+              <a:rPr lang="en-US" b="1" dirty="0" smtClean="0"/>
+              <a:t>Description</a:t>
+            </a:r>
+            <a:r>
+              <a:rPr lang="en-US" b="1" dirty="0"/>
+              <a:t>:</a:t>
+            </a:r>
+            <a:r>
+              <a:rPr lang="en-US" dirty="0"/>
+              <a:t> The </a:t>
+            </a:r>
+            <a:r>
+              <a:rPr lang="en-US" dirty="0" err="1"/>
+              <a:t>SequenceFile</a:t>
+            </a:r>
+            <a:r>
+              <a:rPr lang="en-US" dirty="0"/>
+              <a:t> format is commonly used in Hadoop for storing serialized key-value pairs. It provides a binary format that is optimized for large-scale data storage and is often used as an intermediate format between Map and Reduce phases.</a:t>
+            </a:r>
+          </a:p>
+          <a:p>
+            <a:endParaRPr lang="en-US" dirty="0"/>
+          </a:p>
+        </p:txBody>
+      </p:sp>
+    </p:spTree>
+  </p:cSld>
+  <p:clrMapOvr>
+    <a:masterClrMapping/>
+  </p:clrMapOvr>
+</p:sld>
+</file>
+
+<file path=ppt/slides/slide26.xml><?xml version="1.0" encoding="utf-8"?>
+<p:sld xmlns:a="http://schemas.openxmlformats.org/drawingml/2006/main" xmlns:r="http://schemas.openxmlformats.org/officeDocument/2006/relationships" xmlns:p="http://schemas.openxmlformats.org/presentationml/2006/main">
+  <p:cSld>
+    <p:spTree>
+      <p:nvGrpSpPr>
+        <p:cNvPr id="1" name=""/>
+        <p:cNvGrpSpPr/>
+        <p:nvPr/>
+      </p:nvGrpSpPr>
+      <p:grpSpPr>
+        <a:xfrm>
+          <a:off x="0" y="0"/>
+          <a:ext cx="0" cy="0"/>
+          <a:chOff x="0" y="0"/>
+          <a:chExt cx="0" cy="0"/>
+        </a:xfrm>
+      </p:grpSpPr>
+      <p:sp>
+        <p:nvSpPr>
+          <p:cNvPr id="2" name="Title 1"/>
+          <p:cNvSpPr>
+            <a:spLocks noGrp="1"/>
+          </p:cNvSpPr>
+          <p:nvPr>
+            <p:ph type="title"/>
+          </p:nvPr>
+        </p:nvSpPr>
+        <p:spPr/>
+        <p:txBody>
+          <a:bodyPr/>
+          <a:lstStyle/>
+          <a:p>
+            <a:endParaRPr lang="en-US"/>
+          </a:p>
+        </p:txBody>
+      </p:sp>
+      <p:sp>
+        <p:nvSpPr>
+          <p:cNvPr id="3" name="Content Placeholder 2"/>
+          <p:cNvSpPr>
+            <a:spLocks noGrp="1"/>
+          </p:cNvSpPr>
+          <p:nvPr>
+            <p:ph idx="1"/>
+          </p:nvPr>
+        </p:nvSpPr>
+        <p:spPr/>
+        <p:txBody>
+          <a:bodyPr>
+            <a:normAutofit fontScale="92500" lnSpcReduction="20000"/>
+          </a:bodyPr>
+          <a:lstStyle/>
+          <a:p>
+            <a:r>
+              <a:rPr lang="en-US" dirty="0" smtClean="0"/>
+              <a:t>import </a:t>
+            </a:r>
+            <a:r>
+              <a:rPr lang="en-US" dirty="0" err="1" smtClean="0"/>
+              <a:t>org.apache.hadoop.io.SequenceFile</a:t>
+            </a:r>
+            <a:r>
+              <a:rPr lang="en-US" dirty="0" smtClean="0"/>
+              <a:t>;</a:t>
+            </a:r>
+          </a:p>
+          <a:p>
+            <a:r>
+              <a:rPr lang="en-US" dirty="0" smtClean="0"/>
+              <a:t>Import </a:t>
+            </a:r>
+            <a:r>
+              <a:rPr lang="en-US" dirty="0" err="1" smtClean="0"/>
+              <a:t>org.apache.hadoop.io.SequenceFile.Writer</a:t>
+            </a:r>
+            <a:r>
+              <a:rPr lang="en-US" dirty="0" smtClean="0"/>
+              <a:t>;</a:t>
+            </a:r>
+          </a:p>
+          <a:p>
+            <a:endParaRPr lang="en-US" dirty="0" smtClean="0"/>
+          </a:p>
+          <a:p>
+            <a:r>
+              <a:rPr lang="en-US" dirty="0" smtClean="0"/>
+              <a:t>// Writing to a </a:t>
+            </a:r>
+            <a:r>
+              <a:rPr lang="en-US" dirty="0" err="1" smtClean="0"/>
+              <a:t>SequenceFile</a:t>
+            </a:r>
+            <a:endParaRPr lang="en-US" dirty="0" smtClean="0"/>
+          </a:p>
+          <a:p>
+            <a:r>
+              <a:rPr lang="en-US" dirty="0" err="1" smtClean="0"/>
+              <a:t>Writer.Option</a:t>
+            </a:r>
+            <a:r>
+              <a:rPr lang="en-US" dirty="0" smtClean="0"/>
+              <a:t> option = </a:t>
+            </a:r>
+            <a:r>
+              <a:rPr lang="en-US" dirty="0" err="1" smtClean="0"/>
+              <a:t>Writer.file</a:t>
+            </a:r>
+            <a:r>
+              <a:rPr lang="en-US" dirty="0" smtClean="0"/>
+              <a:t>(new Path("/path/to/</a:t>
+            </a:r>
+            <a:r>
+              <a:rPr lang="en-US" dirty="0" err="1" smtClean="0"/>
+              <a:t>sequencefile</a:t>
+            </a:r>
+            <a:r>
+              <a:rPr lang="en-US" dirty="0" smtClean="0"/>
+              <a:t>")).</a:t>
+            </a:r>
+            <a:r>
+              <a:rPr lang="en-US" dirty="0" err="1" smtClean="0"/>
+              <a:t>valueClass</a:t>
+            </a:r>
+            <a:r>
+              <a:rPr lang="en-US" dirty="0" smtClean="0"/>
+              <a:t>(</a:t>
+            </a:r>
+            <a:r>
+              <a:rPr lang="en-US" dirty="0" err="1" smtClean="0"/>
+              <a:t>CustomWritable.class</a:t>
+            </a:r>
+            <a:r>
+              <a:rPr lang="en-US" dirty="0" smtClean="0"/>
+              <a:t>);</a:t>
+            </a:r>
+          </a:p>
+          <a:p>
+            <a:r>
+              <a:rPr lang="en-US" dirty="0" err="1" smtClean="0"/>
+              <a:t>SequenceFile.Writer</a:t>
+            </a:r>
+            <a:r>
+              <a:rPr lang="en-US" dirty="0" smtClean="0"/>
+              <a:t> writer = </a:t>
+            </a:r>
+            <a:r>
+              <a:rPr lang="en-US" dirty="0" err="1" smtClean="0"/>
+              <a:t>SequenceFile.createWriter</a:t>
+            </a:r>
+            <a:r>
+              <a:rPr lang="en-US" dirty="0" smtClean="0"/>
+              <a:t>(conf, option);</a:t>
+            </a:r>
+          </a:p>
+          <a:p>
+            <a:endParaRPr lang="en-US" dirty="0"/>
+          </a:p>
+        </p:txBody>
+      </p:sp>
+    </p:spTree>
+  </p:cSld>
+  <p:clrMapOvr>
+    <a:masterClrMapping/>
+  </p:clrMapOvr>
+</p:sld>
+</file>
+
+<file path=ppt/slides/slide27.xml><?xml version="1.0" encoding="utf-8"?>
+<p:sld xmlns:a="http://schemas.openxmlformats.org/drawingml/2006/main" xmlns:r="http://schemas.openxmlformats.org/officeDocument/2006/relationships" xmlns:p="http://schemas.openxmlformats.org/presentationml/2006/main">
+  <p:cSld>
+    <p:spTree>
+      <p:nvGrpSpPr>
+        <p:cNvPr id="1" name=""/>
+        <p:cNvGrpSpPr/>
+        <p:nvPr/>
+      </p:nvGrpSpPr>
+      <p:grpSpPr>
+        <a:xfrm>
+          <a:off x="0" y="0"/>
+          <a:ext cx="0" cy="0"/>
+          <a:chOff x="0" y="0"/>
+          <a:chExt cx="0" cy="0"/>
+        </a:xfrm>
+      </p:grpSpPr>
+      <p:sp>
+        <p:nvSpPr>
+          <p:cNvPr id="2" name="Title 1"/>
+          <p:cNvSpPr>
+            <a:spLocks noGrp="1"/>
+          </p:cNvSpPr>
+          <p:nvPr>
+            <p:ph type="title"/>
+          </p:nvPr>
+        </p:nvSpPr>
+        <p:spPr/>
+        <p:txBody>
+          <a:bodyPr>
+            <a:normAutofit fontScale="90000"/>
+          </a:bodyPr>
+          <a:lstStyle/>
+          <a:p>
+            <a:r>
+              <a:rPr lang="en-US" b="1" dirty="0" smtClean="0"/>
+              <a:t>Avro Serialization:</a:t>
+            </a:r>
+            <a:r>
+              <a:rPr lang="en-US" dirty="0" smtClean="0"/>
+              <a:t/>
+            </a:r>
+            <a:br>
+              <a:rPr lang="en-US" dirty="0" smtClean="0"/>
+            </a:br>
+            <a:endParaRPr lang="en-US" dirty="0"/>
+          </a:p>
+        </p:txBody>
+      </p:sp>
+      <p:sp>
+        <p:nvSpPr>
+          <p:cNvPr id="3" name="Content Placeholder 2"/>
+          <p:cNvSpPr>
+            <a:spLocks noGrp="1"/>
+          </p:cNvSpPr>
+          <p:nvPr>
+            <p:ph idx="1"/>
+          </p:nvPr>
+        </p:nvSpPr>
+        <p:spPr/>
+        <p:txBody>
+          <a:bodyPr/>
+          <a:lstStyle/>
+          <a:p>
+            <a:r>
+              <a:rPr lang="en-US" b="1" dirty="0" smtClean="0"/>
+              <a:t>Description</a:t>
+            </a:r>
+            <a:r>
+              <a:rPr lang="en-US" b="1" dirty="0"/>
+              <a:t>:</a:t>
+            </a:r>
+            <a:r>
+              <a:rPr lang="en-US" dirty="0"/>
+              <a:t> Avro is a schema-based serialization framework often used with Hadoop. It provides a compact binary format and supports schema evolution. Avro schemas define the structure of data, and serialized data includes schema information.</a:t>
+            </a:r>
+          </a:p>
+          <a:p>
+            <a:endParaRPr lang="en-US" dirty="0"/>
+          </a:p>
+        </p:txBody>
+      </p:sp>
+    </p:spTree>
+  </p:cSld>
+  <p:clrMapOvr>
+    <a:masterClrMapping/>
+  </p:clrMapOvr>
+</p:sld>
+</file>
+
+<file path=ppt/slides/slide28.xml><?xml version="1.0" encoding="utf-8"?>
 <p:sld xmlns:a="http://schemas.openxmlformats.org/drawingml/2006/main" xmlns:r="http://schemas.openxmlformats.org/officeDocument/2006/relationships" xmlns:p="http://schemas.openxmlformats.org/presentationml/2006/main">
   <p:cSld>
     <p:spTree>
@@ -5831,11 +6215,14 @@
                     <a:p>
                       <a:pPr algn="l" fontAlgn="base"/>
                       <a:r>
-                        <a:rPr lang="en-US">
+                        <a:rPr lang="en-US" dirty="0" err="1">
                           <a:latin typeface="guardian-text-oreilly"/>
                         </a:rPr>
                         <a:t>Splittable</a:t>
                       </a:r>
+                      <a:endParaRPr lang="en-US" dirty="0">
+                        <a:latin typeface="guardian-text-oreilly"/>
+                      </a:endParaRPr>
                     </a:p>
                   </a:txBody>
                   <a:tcPr marL="95250" marR="95250" marT="95250" marB="95250" anchor="ctr"/>
@@ -5849,13 +6236,13 @@
                     <a:p>
                       <a:pPr algn="l" fontAlgn="base"/>
                       <a:r>
-                        <a:rPr lang="en-US">
+                        <a:rPr lang="en-US" dirty="0">
                           <a:latin typeface="guardian-text-oreilly"/>
                         </a:rPr>
                         <a:t>DEFLATE</a:t>
                       </a:r>
                       <a:r>
-                        <a:rPr lang="en-US" baseline="30000">
+                        <a:rPr lang="en-US" baseline="30000" dirty="0">
                           <a:solidFill>
                             <a:srgbClr val="666666"/>
                           </a:solidFill>
@@ -5864,7 +6251,7 @@
                         <a:t>[</a:t>
                       </a:r>
                       <a:r>
-                        <a:rPr lang="en-US" u="none" strike="noStrike" baseline="30000">
+                        <a:rPr lang="en-US" u="none" strike="noStrike" baseline="30000" dirty="0">
                           <a:solidFill>
                             <a:srgbClr val="070C0F"/>
                           </a:solidFill>
@@ -5874,7 +6261,7 @@
                         <a:t>a</a:t>
                       </a:r>
                       <a:r>
-                        <a:rPr lang="en-US" baseline="30000">
+                        <a:rPr lang="en-US" baseline="30000" dirty="0">
                           <a:solidFill>
                             <a:srgbClr val="666666"/>
                           </a:solidFill>
@@ -5882,7 +6269,7 @@
                         </a:rPr>
                         <a:t>]</a:t>
                       </a:r>
-                      <a:endParaRPr lang="en-US">
+                      <a:endParaRPr lang="en-US" dirty="0">
                         <a:latin typeface="guardian-text-oreilly"/>
                       </a:endParaRPr>
                     </a:p>
@@ -5981,11 +6368,14 @@
                     <a:p>
                       <a:pPr algn="l" fontAlgn="base"/>
                       <a:r>
-                        <a:rPr lang="en-US">
+                        <a:rPr lang="en-US" dirty="0" err="1">
                           <a:latin typeface="guardian-text-oreilly"/>
                         </a:rPr>
                         <a:t>gzip</a:t>
                       </a:r>
+                      <a:endParaRPr lang="en-US" dirty="0">
+                        <a:latin typeface="guardian-text-oreilly"/>
+                      </a:endParaRPr>
                     </a:p>
                   </a:txBody>
                   <a:tcPr marL="95250" marR="95250" marT="95250" marB="95250" anchor="ctr"/>
@@ -6085,7 +6475,7 @@
                     <a:p>
                       <a:pPr algn="l" fontAlgn="base"/>
                       <a:r>
-                        <a:rPr lang="en-US">
+                        <a:rPr lang="en-US" dirty="0">
                           <a:latin typeface="guardian-text-oreilly"/>
                         </a:rPr>
                         <a:t>ZIP</a:t>
@@ -6101,12 +6491,12 @@
                     <a:p>
                       <a:pPr algn="l" fontAlgn="base"/>
                       <a:r>
-                        <a:rPr lang="en-US" i="1">
+                        <a:rPr lang="en-US" i="1" dirty="0">
                           <a:latin typeface="inherit"/>
                         </a:rPr>
                         <a:t>zip</a:t>
                       </a:r>
-                      <a:endParaRPr lang="en-US">
+                      <a:endParaRPr lang="en-US" dirty="0">
                         <a:latin typeface="guardian-text-oreilly"/>
                       </a:endParaRPr>
                     </a:p>
@@ -6224,7 +6614,7 @@
                     <a:p>
                       <a:pPr algn="l" fontAlgn="base"/>
                       <a:r>
-                        <a:rPr lang="en-US">
+                        <a:rPr lang="en-US" dirty="0">
                           <a:latin typeface="guardian-text-oreilly"/>
                         </a:rPr>
                         <a:t>bzip2</a:t>
@@ -6240,12 +6630,12 @@
                     <a:p>
                       <a:pPr algn="l" fontAlgn="base"/>
                       <a:r>
-                        <a:rPr lang="en-US" i="1">
+                        <a:rPr lang="en-US" i="1" dirty="0">
                           <a:latin typeface="inherit"/>
                         </a:rPr>
                         <a:t>.bz2</a:t>
                       </a:r>
-                      <a:endParaRPr lang="en-US">
+                      <a:endParaRPr lang="en-US" dirty="0">
                         <a:latin typeface="guardian-text-oreilly"/>
                       </a:endParaRPr>
                     </a:p>
@@ -6344,12 +6734,18 @@
                     <a:p>
                       <a:pPr algn="l" fontAlgn="base"/>
                       <a:r>
-                        <a:rPr lang="en-US" i="1">
+                        <a:rPr lang="en-US" i="1" dirty="0">
                           <a:latin typeface="inherit"/>
                         </a:rPr>
-                        <a:t>.lzo</a:t>
+                        <a:t>.</a:t>
                       </a:r>
-                      <a:endParaRPr lang="en-US">
+                      <a:r>
+                        <a:rPr lang="en-US" i="1" dirty="0" err="1">
+                          <a:latin typeface="inherit"/>
+                        </a:rPr>
+                        <a:t>lzo</a:t>
+                      </a:r>
+                      <a:endParaRPr lang="en-US" dirty="0">
                         <a:latin typeface="guardian-text-oreilly"/>
                       </a:endParaRPr>
                     </a:p>
@@ -6363,7 +6759,7 @@
                     <a:p>
                       <a:pPr algn="l" fontAlgn="base"/>
                       <a:r>
-                        <a:rPr lang="en-US">
+                        <a:rPr lang="en-US" dirty="0">
                           <a:latin typeface="guardian-text-oreilly"/>
                         </a:rPr>
                         <a:t>No</a:t>
@@ -6456,7 +6852,9 @@
         </p:nvSpPr>
         <p:spPr/>
         <p:txBody>
-          <a:bodyPr/>
+          <a:bodyPr>
+            <a:normAutofit lnSpcReduction="10000"/>
+          </a:bodyPr>
           <a:lstStyle/>
           <a:p>
             <a:r>
@@ -6465,15 +6863,34 @@
             </a:r>
             <a:r>
               <a:rPr lang="en-US" dirty="0"/>
-              <a:t>, short for GNU Zip, is a file compression and decompression tool that uses the DEFLATE compression algorithm. It is commonly used to reduce the size of files and folders to save disk space and to speed up file transmission over the internet. </a:t>
-            </a:r>
-            <a:r>
-              <a:rPr lang="en-US" dirty="0" err="1"/>
+              <a:t>, short for GNU Zip, is a file compression and decompression tool that uses the </a:t>
+            </a:r>
+            <a:r>
+              <a:rPr lang="en-US" dirty="0">
+                <a:solidFill>
+                  <a:srgbClr val="FF0000"/>
+                </a:solidFill>
+              </a:rPr>
+              <a:t>DEFLATE compression algorithm</a:t>
+            </a:r>
+            <a:r>
+              <a:rPr lang="en-US" dirty="0"/>
+              <a:t>. It is commonly used to reduce the size of files and folders to save disk space and to speed up file transmission over the internet. </a:t>
+            </a:r>
+            <a:endParaRPr lang="en-US" dirty="0" smtClean="0"/>
+          </a:p>
+          <a:p>
+            <a:r>
+              <a:rPr lang="en-US" dirty="0" err="1" smtClean="0"/>
               <a:t>Gzip</a:t>
             </a:r>
             <a:r>
+              <a:rPr lang="en-US" dirty="0" smtClean="0"/>
+              <a:t> </a:t>
+            </a:r>
+            <a:r>
               <a:rPr lang="en-US" dirty="0"/>
-              <a:t> is a free and open-source software, and it is widely supported across various operating systems.</a:t>
+              <a:t>is a free and open-source software, and it is widely supported across various operating systems.</a:t>
             </a:r>
           </a:p>
         </p:txBody>
@@ -6543,7 +6960,19 @@
             </a:r>
             <a:r>
               <a:rPr lang="en-US" dirty="0"/>
-              <a:t> is a widely used lossless data compression algorithm that serves as the basis for several popular compression formats, including </a:t>
+              <a:t> is a widely used </a:t>
+            </a:r>
+            <a:r>
+              <a:rPr lang="en-US" dirty="0">
+                <a:solidFill>
+                  <a:srgbClr val="FF0000"/>
+                </a:solidFill>
+              </a:rPr>
+              <a:t>lossless data compression algorithm</a:t>
+            </a:r>
+            <a:r>
+              <a:rPr lang="en-US" dirty="0"/>
+              <a:t> that serves as the basis for several popular compression formats, including </a:t>
             </a:r>
             <a:r>
               <a:rPr lang="en-US" dirty="0" err="1"/>
@@ -6551,8 +6980,42 @@
             </a:r>
             <a:r>
               <a:rPr lang="en-US" dirty="0"/>
-              <a:t> and ZIP. It was developed by Phil Katz and implemented in 1989 as part of the PKZIP compression utility. The Deflate algorithm combines two primary compression techniques: LZ77 (Lempel–Ziv 1977) and Huffman coding.</a:t>
-            </a:r>
+              <a:t> and ZIP. </a:t>
+            </a:r>
+            <a:endParaRPr lang="en-US" dirty="0" smtClean="0"/>
+          </a:p>
+          <a:p>
+            <a:r>
+              <a:rPr lang="en-US" dirty="0" smtClean="0"/>
+              <a:t>The </a:t>
+            </a:r>
+            <a:r>
+              <a:rPr lang="en-US" dirty="0"/>
+              <a:t>Deflate algorithm combines two primary compression techniques</a:t>
+            </a:r>
+            <a:r>
+              <a:rPr lang="en-US" dirty="0">
+                <a:solidFill>
+                  <a:srgbClr val="FF0000"/>
+                </a:solidFill>
+              </a:rPr>
+              <a:t>: LZ77 (Lempel–Ziv 1977) and Huffman coding</a:t>
+            </a:r>
+            <a:r>
+              <a:rPr lang="en-US" dirty="0" smtClean="0">
+                <a:solidFill>
+                  <a:srgbClr val="FF0000"/>
+                </a:solidFill>
+              </a:rPr>
+              <a:t>.</a:t>
+            </a:r>
+          </a:p>
+          <a:p>
+            <a:endParaRPr lang="en-US" dirty="0">
+              <a:solidFill>
+                <a:srgbClr val="FF0000"/>
+              </a:solidFill>
+            </a:endParaRPr>
           </a:p>
         </p:txBody>
       </p:sp>
@@ -6596,7 +7059,11 @@
           <a:bodyPr/>
           <a:lstStyle/>
           <a:p>
-            <a:endParaRPr lang="en-US"/>
+            <a:r>
+              <a:rPr lang="en-US" dirty="0" smtClean="0"/>
+              <a:t>Deflate</a:t>
+            </a:r>
+            <a:endParaRPr lang="en-US" dirty="0"/>
           </a:p>
         </p:txBody>
       </p:sp>
@@ -6616,21 +7083,36 @@
           <a:lstStyle/>
           <a:p>
             <a:r>
-              <a:rPr lang="en-US" b="1" dirty="0"/>
-              <a:t>bzip2</a:t>
-            </a:r>
-            <a:r>
-              <a:rPr lang="en-US" dirty="0"/>
-              <a:t> is a free and open-source data compression algorithm and program developed by Julian Seward. It is designed to be a more efficient compression algorithm than its predecessor, </a:t>
-            </a:r>
-            <a:r>
-              <a:rPr lang="en-US" dirty="0" err="1"/>
-              <a:t>bzip</a:t>
-            </a:r>
-            <a:r>
-              <a:rPr lang="en-US" dirty="0"/>
-              <a:t>, while maintaining compatibility with the older format. The primary purpose of bzip2 is to achieve higher compression ratios at the cost of increased computational complexity.</a:t>
-            </a:r>
+              <a:rPr lang="en-US" b="1" dirty="0" smtClean="0"/>
+              <a:t>Combines Two Techniques</a:t>
+            </a:r>
+            <a:r>
+              <a:rPr lang="en-US" dirty="0" smtClean="0"/>
+              <a:t>:</a:t>
+            </a:r>
+          </a:p>
+          <a:p>
+            <a:r>
+              <a:rPr lang="en-US" b="1" dirty="0" smtClean="0"/>
+              <a:t>LZ77</a:t>
+            </a:r>
+            <a:r>
+              <a:rPr lang="en-US" dirty="0" smtClean="0"/>
+              <a:t>: Finds repeating patterns and replaces them with references to earlier occurrences in the data.</a:t>
+            </a:r>
+          </a:p>
+          <a:p>
+            <a:r>
+              <a:rPr lang="en-US" b="1" dirty="0" smtClean="0"/>
+              <a:t>Huffman Coding</a:t>
+            </a:r>
+            <a:r>
+              <a:rPr lang="en-US" dirty="0" smtClean="0"/>
+              <a:t>: Assigns shorter codes to more frequent data sequences and longer codes to less frequent sequences to optimize storage.</a:t>
+            </a:r>
+          </a:p>
+          <a:p>
+            <a:endParaRPr lang="en-US" dirty="0"/>
           </a:p>
         </p:txBody>
       </p:sp>
